--- a/VLSI design 설계 실습/2025-05-28.pptx
+++ b/VLSI design 설계 실습/2025-05-28.pptx
@@ -7,25 +7,26 @@
   <p:sldIdLst>
     <p:sldId id="256" r:id="rId2"/>
     <p:sldId id="257" r:id="rId3"/>
-    <p:sldId id="258" r:id="rId4"/>
-    <p:sldId id="259" r:id="rId5"/>
-    <p:sldId id="261" r:id="rId6"/>
-    <p:sldId id="263" r:id="rId7"/>
-    <p:sldId id="262" r:id="rId8"/>
-    <p:sldId id="264" r:id="rId9"/>
-    <p:sldId id="265" r:id="rId10"/>
-    <p:sldId id="266" r:id="rId11"/>
-    <p:sldId id="267" r:id="rId12"/>
-    <p:sldId id="268" r:id="rId13"/>
-    <p:sldId id="269" r:id="rId14"/>
-    <p:sldId id="270" r:id="rId15"/>
-    <p:sldId id="271" r:id="rId16"/>
-    <p:sldId id="273" r:id="rId17"/>
-    <p:sldId id="275" r:id="rId18"/>
-    <p:sldId id="274" r:id="rId19"/>
-    <p:sldId id="276" r:id="rId20"/>
-    <p:sldId id="277" r:id="rId21"/>
-    <p:sldId id="278" r:id="rId22"/>
+    <p:sldId id="259" r:id="rId4"/>
+    <p:sldId id="261" r:id="rId5"/>
+    <p:sldId id="258" r:id="rId6"/>
+    <p:sldId id="279" r:id="rId7"/>
+    <p:sldId id="263" r:id="rId8"/>
+    <p:sldId id="262" r:id="rId9"/>
+    <p:sldId id="264" r:id="rId10"/>
+    <p:sldId id="265" r:id="rId11"/>
+    <p:sldId id="266" r:id="rId12"/>
+    <p:sldId id="267" r:id="rId13"/>
+    <p:sldId id="268" r:id="rId14"/>
+    <p:sldId id="269" r:id="rId15"/>
+    <p:sldId id="270" r:id="rId16"/>
+    <p:sldId id="271" r:id="rId17"/>
+    <p:sldId id="273" r:id="rId18"/>
+    <p:sldId id="275" r:id="rId19"/>
+    <p:sldId id="274" r:id="rId20"/>
+    <p:sldId id="276" r:id="rId21"/>
+    <p:sldId id="277" r:id="rId22"/>
+    <p:sldId id="278" r:id="rId23"/>
   </p:sldIdLst>
   <p:sldSz cx="12192000" cy="6858000"/>
   <p:notesSz cx="6858000" cy="9144000"/>
@@ -174,10 +175,9 @@
           </a:lstStyle>
           <a:p>
             <a:r>
-              <a:rPr lang="ko-KR" altLang="en-US" smtClean="0"/>
+              <a:rPr lang="ko-KR" altLang="en-US"/>
               <a:t>마스터 제목 스타일 편집</a:t>
             </a:r>
-            <a:endParaRPr lang="ko-KR" altLang="en-US"/>
           </a:p>
         </p:txBody>
       </p:sp>
@@ -239,10 +239,9 @@
           </a:lstStyle>
           <a:p>
             <a:r>
-              <a:rPr lang="ko-KR" altLang="en-US" smtClean="0"/>
+              <a:rPr lang="ko-KR" altLang="en-US"/>
               <a:t>클릭하여 마스터 부제목 스타일 편집</a:t>
             </a:r>
-            <a:endParaRPr lang="ko-KR" altLang="en-US"/>
           </a:p>
         </p:txBody>
       </p:sp>
@@ -263,7 +262,7 @@
           <a:p>
             <a:fld id="{14979939-5C65-4792-9B4E-BE39A3E42977}" type="datetimeFigureOut">
               <a:rPr lang="ko-KR" altLang="en-US" smtClean="0"/>
-              <a:t>2025-05-29</a:t>
+              <a:t>2025-06-15</a:t>
             </a:fld>
             <a:endParaRPr lang="ko-KR" altLang="en-US"/>
           </a:p>
@@ -357,10 +356,9 @@
           <a:lstStyle/>
           <a:p>
             <a:r>
-              <a:rPr lang="ko-KR" altLang="en-US" smtClean="0"/>
+              <a:rPr lang="ko-KR" altLang="en-US"/>
               <a:t>마스터 제목 스타일 편집</a:t>
             </a:r>
-            <a:endParaRPr lang="ko-KR" altLang="en-US"/>
           </a:p>
         </p:txBody>
       </p:sp>
@@ -381,38 +379,37 @@
           <a:p>
             <a:pPr lvl="0"/>
             <a:r>
-              <a:rPr lang="ko-KR" altLang="en-US" smtClean="0"/>
+              <a:rPr lang="ko-KR" altLang="en-US"/>
               <a:t>마스터 텍스트 스타일 편집</a:t>
             </a:r>
           </a:p>
           <a:p>
             <a:pPr lvl="1"/>
             <a:r>
-              <a:rPr lang="ko-KR" altLang="en-US" smtClean="0"/>
+              <a:rPr lang="ko-KR" altLang="en-US"/>
               <a:t>둘째 수준</a:t>
             </a:r>
           </a:p>
           <a:p>
             <a:pPr lvl="2"/>
             <a:r>
-              <a:rPr lang="ko-KR" altLang="en-US" smtClean="0"/>
+              <a:rPr lang="ko-KR" altLang="en-US"/>
               <a:t>셋째 수준</a:t>
             </a:r>
           </a:p>
           <a:p>
             <a:pPr lvl="3"/>
             <a:r>
-              <a:rPr lang="ko-KR" altLang="en-US" smtClean="0"/>
+              <a:rPr lang="ko-KR" altLang="en-US"/>
               <a:t>넷째 수준</a:t>
             </a:r>
           </a:p>
           <a:p>
             <a:pPr lvl="4"/>
             <a:r>
-              <a:rPr lang="ko-KR" altLang="en-US" smtClean="0"/>
+              <a:rPr lang="ko-KR" altLang="en-US"/>
               <a:t>다섯째 수준</a:t>
             </a:r>
-            <a:endParaRPr lang="ko-KR" altLang="en-US"/>
           </a:p>
         </p:txBody>
       </p:sp>
@@ -433,7 +430,7 @@
           <a:p>
             <a:fld id="{14979939-5C65-4792-9B4E-BE39A3E42977}" type="datetimeFigureOut">
               <a:rPr lang="ko-KR" altLang="en-US" smtClean="0"/>
-              <a:t>2025-05-29</a:t>
+              <a:t>2025-06-15</a:t>
             </a:fld>
             <a:endParaRPr lang="ko-KR" altLang="en-US"/>
           </a:p>
@@ -532,10 +529,9 @@
           <a:lstStyle/>
           <a:p>
             <a:r>
-              <a:rPr lang="ko-KR" altLang="en-US" smtClean="0"/>
+              <a:rPr lang="ko-KR" altLang="en-US"/>
               <a:t>마스터 제목 스타일 편집</a:t>
             </a:r>
-            <a:endParaRPr lang="ko-KR" altLang="en-US"/>
           </a:p>
         </p:txBody>
       </p:sp>
@@ -561,38 +557,37 @@
           <a:p>
             <a:pPr lvl="0"/>
             <a:r>
-              <a:rPr lang="ko-KR" altLang="en-US" smtClean="0"/>
+              <a:rPr lang="ko-KR" altLang="en-US"/>
               <a:t>마스터 텍스트 스타일 편집</a:t>
             </a:r>
           </a:p>
           <a:p>
             <a:pPr lvl="1"/>
             <a:r>
-              <a:rPr lang="ko-KR" altLang="en-US" smtClean="0"/>
+              <a:rPr lang="ko-KR" altLang="en-US"/>
               <a:t>둘째 수준</a:t>
             </a:r>
           </a:p>
           <a:p>
             <a:pPr lvl="2"/>
             <a:r>
-              <a:rPr lang="ko-KR" altLang="en-US" smtClean="0"/>
+              <a:rPr lang="ko-KR" altLang="en-US"/>
               <a:t>셋째 수준</a:t>
             </a:r>
           </a:p>
           <a:p>
             <a:pPr lvl="3"/>
             <a:r>
-              <a:rPr lang="ko-KR" altLang="en-US" smtClean="0"/>
+              <a:rPr lang="ko-KR" altLang="en-US"/>
               <a:t>넷째 수준</a:t>
             </a:r>
           </a:p>
           <a:p>
             <a:pPr lvl="4"/>
             <a:r>
-              <a:rPr lang="ko-KR" altLang="en-US" smtClean="0"/>
+              <a:rPr lang="ko-KR" altLang="en-US"/>
               <a:t>다섯째 수준</a:t>
             </a:r>
-            <a:endParaRPr lang="ko-KR" altLang="en-US"/>
           </a:p>
         </p:txBody>
       </p:sp>
@@ -613,7 +608,7 @@
           <a:p>
             <a:fld id="{14979939-5C65-4792-9B4E-BE39A3E42977}" type="datetimeFigureOut">
               <a:rPr lang="ko-KR" altLang="en-US" smtClean="0"/>
-              <a:t>2025-05-29</a:t>
+              <a:t>2025-06-15</a:t>
             </a:fld>
             <a:endParaRPr lang="ko-KR" altLang="en-US"/>
           </a:p>
@@ -707,10 +702,9 @@
           <a:lstStyle/>
           <a:p>
             <a:r>
-              <a:rPr lang="ko-KR" altLang="en-US" smtClean="0"/>
+              <a:rPr lang="ko-KR" altLang="en-US"/>
               <a:t>마스터 제목 스타일 편집</a:t>
             </a:r>
-            <a:endParaRPr lang="ko-KR" altLang="en-US"/>
           </a:p>
         </p:txBody>
       </p:sp>
@@ -731,38 +725,37 @@
           <a:p>
             <a:pPr lvl="0"/>
             <a:r>
-              <a:rPr lang="ko-KR" altLang="en-US" smtClean="0"/>
+              <a:rPr lang="ko-KR" altLang="en-US"/>
               <a:t>마스터 텍스트 스타일 편집</a:t>
             </a:r>
           </a:p>
           <a:p>
             <a:pPr lvl="1"/>
             <a:r>
-              <a:rPr lang="ko-KR" altLang="en-US" smtClean="0"/>
+              <a:rPr lang="ko-KR" altLang="en-US"/>
               <a:t>둘째 수준</a:t>
             </a:r>
           </a:p>
           <a:p>
             <a:pPr lvl="2"/>
             <a:r>
-              <a:rPr lang="ko-KR" altLang="en-US" smtClean="0"/>
+              <a:rPr lang="ko-KR" altLang="en-US"/>
               <a:t>셋째 수준</a:t>
             </a:r>
           </a:p>
           <a:p>
             <a:pPr lvl="3"/>
             <a:r>
-              <a:rPr lang="ko-KR" altLang="en-US" smtClean="0"/>
+              <a:rPr lang="ko-KR" altLang="en-US"/>
               <a:t>넷째 수준</a:t>
             </a:r>
           </a:p>
           <a:p>
             <a:pPr lvl="4"/>
             <a:r>
-              <a:rPr lang="ko-KR" altLang="en-US" smtClean="0"/>
+              <a:rPr lang="ko-KR" altLang="en-US"/>
               <a:t>다섯째 수준</a:t>
             </a:r>
-            <a:endParaRPr lang="ko-KR" altLang="en-US"/>
           </a:p>
         </p:txBody>
       </p:sp>
@@ -783,7 +776,7 @@
           <a:p>
             <a:fld id="{14979939-5C65-4792-9B4E-BE39A3E42977}" type="datetimeFigureOut">
               <a:rPr lang="ko-KR" altLang="en-US" smtClean="0"/>
-              <a:t>2025-05-29</a:t>
+              <a:t>2025-06-15</a:t>
             </a:fld>
             <a:endParaRPr lang="ko-KR" altLang="en-US"/>
           </a:p>
@@ -886,10 +879,9 @@
           </a:lstStyle>
           <a:p>
             <a:r>
-              <a:rPr lang="ko-KR" altLang="en-US" smtClean="0"/>
+              <a:rPr lang="ko-KR" altLang="en-US"/>
               <a:t>마스터 제목 스타일 편집</a:t>
             </a:r>
-            <a:endParaRPr lang="ko-KR" altLang="en-US"/>
           </a:p>
         </p:txBody>
       </p:sp>
@@ -1006,7 +998,7 @@
           <a:p>
             <a:pPr lvl="0"/>
             <a:r>
-              <a:rPr lang="ko-KR" altLang="en-US" smtClean="0"/>
+              <a:rPr lang="ko-KR" altLang="en-US"/>
               <a:t>마스터 텍스트 스타일 편집</a:t>
             </a:r>
           </a:p>
@@ -1029,7 +1021,7 @@
           <a:p>
             <a:fld id="{14979939-5C65-4792-9B4E-BE39A3E42977}" type="datetimeFigureOut">
               <a:rPr lang="ko-KR" altLang="en-US" smtClean="0"/>
-              <a:t>2025-05-29</a:t>
+              <a:t>2025-06-15</a:t>
             </a:fld>
             <a:endParaRPr lang="ko-KR" altLang="en-US"/>
           </a:p>
@@ -1123,10 +1115,9 @@
           <a:lstStyle/>
           <a:p>
             <a:r>
-              <a:rPr lang="ko-KR" altLang="en-US" smtClean="0"/>
+              <a:rPr lang="ko-KR" altLang="en-US"/>
               <a:t>마스터 제목 스타일 편집</a:t>
             </a:r>
-            <a:endParaRPr lang="ko-KR" altLang="en-US"/>
           </a:p>
         </p:txBody>
       </p:sp>
@@ -1152,38 +1143,37 @@
           <a:p>
             <a:pPr lvl="0"/>
             <a:r>
-              <a:rPr lang="ko-KR" altLang="en-US" smtClean="0"/>
+              <a:rPr lang="ko-KR" altLang="en-US"/>
               <a:t>마스터 텍스트 스타일 편집</a:t>
             </a:r>
           </a:p>
           <a:p>
             <a:pPr lvl="1"/>
             <a:r>
-              <a:rPr lang="ko-KR" altLang="en-US" smtClean="0"/>
+              <a:rPr lang="ko-KR" altLang="en-US"/>
               <a:t>둘째 수준</a:t>
             </a:r>
           </a:p>
           <a:p>
             <a:pPr lvl="2"/>
             <a:r>
-              <a:rPr lang="ko-KR" altLang="en-US" smtClean="0"/>
+              <a:rPr lang="ko-KR" altLang="en-US"/>
               <a:t>셋째 수준</a:t>
             </a:r>
           </a:p>
           <a:p>
             <a:pPr lvl="3"/>
             <a:r>
-              <a:rPr lang="ko-KR" altLang="en-US" smtClean="0"/>
+              <a:rPr lang="ko-KR" altLang="en-US"/>
               <a:t>넷째 수준</a:t>
             </a:r>
           </a:p>
           <a:p>
             <a:pPr lvl="4"/>
             <a:r>
-              <a:rPr lang="ko-KR" altLang="en-US" smtClean="0"/>
+              <a:rPr lang="ko-KR" altLang="en-US"/>
               <a:t>다섯째 수준</a:t>
             </a:r>
-            <a:endParaRPr lang="ko-KR" altLang="en-US"/>
           </a:p>
         </p:txBody>
       </p:sp>
@@ -1209,38 +1199,37 @@
           <a:p>
             <a:pPr lvl="0"/>
             <a:r>
-              <a:rPr lang="ko-KR" altLang="en-US" smtClean="0"/>
+              <a:rPr lang="ko-KR" altLang="en-US"/>
               <a:t>마스터 텍스트 스타일 편집</a:t>
             </a:r>
           </a:p>
           <a:p>
             <a:pPr lvl="1"/>
             <a:r>
-              <a:rPr lang="ko-KR" altLang="en-US" smtClean="0"/>
+              <a:rPr lang="ko-KR" altLang="en-US"/>
               <a:t>둘째 수준</a:t>
             </a:r>
           </a:p>
           <a:p>
             <a:pPr lvl="2"/>
             <a:r>
-              <a:rPr lang="ko-KR" altLang="en-US" smtClean="0"/>
+              <a:rPr lang="ko-KR" altLang="en-US"/>
               <a:t>셋째 수준</a:t>
             </a:r>
           </a:p>
           <a:p>
             <a:pPr lvl="3"/>
             <a:r>
-              <a:rPr lang="ko-KR" altLang="en-US" smtClean="0"/>
+              <a:rPr lang="ko-KR" altLang="en-US"/>
               <a:t>넷째 수준</a:t>
             </a:r>
           </a:p>
           <a:p>
             <a:pPr lvl="4"/>
             <a:r>
-              <a:rPr lang="ko-KR" altLang="en-US" smtClean="0"/>
+              <a:rPr lang="ko-KR" altLang="en-US"/>
               <a:t>다섯째 수준</a:t>
             </a:r>
-            <a:endParaRPr lang="ko-KR" altLang="en-US"/>
           </a:p>
         </p:txBody>
       </p:sp>
@@ -1261,7 +1250,7 @@
           <a:p>
             <a:fld id="{14979939-5C65-4792-9B4E-BE39A3E42977}" type="datetimeFigureOut">
               <a:rPr lang="ko-KR" altLang="en-US" smtClean="0"/>
-              <a:t>2025-05-29</a:t>
+              <a:t>2025-06-15</a:t>
             </a:fld>
             <a:endParaRPr lang="ko-KR" altLang="en-US"/>
           </a:p>
@@ -1360,10 +1349,9 @@
           <a:lstStyle/>
           <a:p>
             <a:r>
-              <a:rPr lang="ko-KR" altLang="en-US" smtClean="0"/>
+              <a:rPr lang="ko-KR" altLang="en-US"/>
               <a:t>마스터 제목 스타일 편집</a:t>
             </a:r>
-            <a:endParaRPr lang="ko-KR" altLang="en-US"/>
           </a:p>
         </p:txBody>
       </p:sp>
@@ -1426,7 +1414,7 @@
           <a:p>
             <a:pPr lvl="0"/>
             <a:r>
-              <a:rPr lang="ko-KR" altLang="en-US" smtClean="0"/>
+              <a:rPr lang="ko-KR" altLang="en-US"/>
               <a:t>마스터 텍스트 스타일 편집</a:t>
             </a:r>
           </a:p>
@@ -1454,38 +1442,37 @@
           <a:p>
             <a:pPr lvl="0"/>
             <a:r>
-              <a:rPr lang="ko-KR" altLang="en-US" smtClean="0"/>
+              <a:rPr lang="ko-KR" altLang="en-US"/>
               <a:t>마스터 텍스트 스타일 편집</a:t>
             </a:r>
           </a:p>
           <a:p>
             <a:pPr lvl="1"/>
             <a:r>
-              <a:rPr lang="ko-KR" altLang="en-US" smtClean="0"/>
+              <a:rPr lang="ko-KR" altLang="en-US"/>
               <a:t>둘째 수준</a:t>
             </a:r>
           </a:p>
           <a:p>
             <a:pPr lvl="2"/>
             <a:r>
-              <a:rPr lang="ko-KR" altLang="en-US" smtClean="0"/>
+              <a:rPr lang="ko-KR" altLang="en-US"/>
               <a:t>셋째 수준</a:t>
             </a:r>
           </a:p>
           <a:p>
             <a:pPr lvl="3"/>
             <a:r>
-              <a:rPr lang="ko-KR" altLang="en-US" smtClean="0"/>
+              <a:rPr lang="ko-KR" altLang="en-US"/>
               <a:t>넷째 수준</a:t>
             </a:r>
           </a:p>
           <a:p>
             <a:pPr lvl="4"/>
             <a:r>
-              <a:rPr lang="ko-KR" altLang="en-US" smtClean="0"/>
+              <a:rPr lang="ko-KR" altLang="en-US"/>
               <a:t>다섯째 수준</a:t>
             </a:r>
-            <a:endParaRPr lang="ko-KR" altLang="en-US"/>
           </a:p>
         </p:txBody>
       </p:sp>
@@ -1548,7 +1535,7 @@
           <a:p>
             <a:pPr lvl="0"/>
             <a:r>
-              <a:rPr lang="ko-KR" altLang="en-US" smtClean="0"/>
+              <a:rPr lang="ko-KR" altLang="en-US"/>
               <a:t>마스터 텍스트 스타일 편집</a:t>
             </a:r>
           </a:p>
@@ -1576,38 +1563,37 @@
           <a:p>
             <a:pPr lvl="0"/>
             <a:r>
-              <a:rPr lang="ko-KR" altLang="en-US" smtClean="0"/>
+              <a:rPr lang="ko-KR" altLang="en-US"/>
               <a:t>마스터 텍스트 스타일 편집</a:t>
             </a:r>
           </a:p>
           <a:p>
             <a:pPr lvl="1"/>
             <a:r>
-              <a:rPr lang="ko-KR" altLang="en-US" smtClean="0"/>
+              <a:rPr lang="ko-KR" altLang="en-US"/>
               <a:t>둘째 수준</a:t>
             </a:r>
           </a:p>
           <a:p>
             <a:pPr lvl="2"/>
             <a:r>
-              <a:rPr lang="ko-KR" altLang="en-US" smtClean="0"/>
+              <a:rPr lang="ko-KR" altLang="en-US"/>
               <a:t>셋째 수준</a:t>
             </a:r>
           </a:p>
           <a:p>
             <a:pPr lvl="3"/>
             <a:r>
-              <a:rPr lang="ko-KR" altLang="en-US" smtClean="0"/>
+              <a:rPr lang="ko-KR" altLang="en-US"/>
               <a:t>넷째 수준</a:t>
             </a:r>
           </a:p>
           <a:p>
             <a:pPr lvl="4"/>
             <a:r>
-              <a:rPr lang="ko-KR" altLang="en-US" smtClean="0"/>
+              <a:rPr lang="ko-KR" altLang="en-US"/>
               <a:t>다섯째 수준</a:t>
             </a:r>
-            <a:endParaRPr lang="ko-KR" altLang="en-US"/>
           </a:p>
         </p:txBody>
       </p:sp>
@@ -1628,7 +1614,7 @@
           <a:p>
             <a:fld id="{14979939-5C65-4792-9B4E-BE39A3E42977}" type="datetimeFigureOut">
               <a:rPr lang="ko-KR" altLang="en-US" smtClean="0"/>
-              <a:t>2025-05-29</a:t>
+              <a:t>2025-06-15</a:t>
             </a:fld>
             <a:endParaRPr lang="ko-KR" altLang="en-US"/>
           </a:p>
@@ -1722,10 +1708,9 @@
           <a:lstStyle/>
           <a:p>
             <a:r>
-              <a:rPr lang="ko-KR" altLang="en-US" smtClean="0"/>
+              <a:rPr lang="ko-KR" altLang="en-US"/>
               <a:t>마스터 제목 스타일 편집</a:t>
             </a:r>
-            <a:endParaRPr lang="ko-KR" altLang="en-US"/>
           </a:p>
         </p:txBody>
       </p:sp>
@@ -1746,7 +1731,7 @@
           <a:p>
             <a:fld id="{14979939-5C65-4792-9B4E-BE39A3E42977}" type="datetimeFigureOut">
               <a:rPr lang="ko-KR" altLang="en-US" smtClean="0"/>
-              <a:t>2025-05-29</a:t>
+              <a:t>2025-06-15</a:t>
             </a:fld>
             <a:endParaRPr lang="ko-KR" altLang="en-US"/>
           </a:p>
@@ -1841,7 +1826,7 @@
           <a:p>
             <a:fld id="{14979939-5C65-4792-9B4E-BE39A3E42977}" type="datetimeFigureOut">
               <a:rPr lang="ko-KR" altLang="en-US" smtClean="0"/>
-              <a:t>2025-05-29</a:t>
+              <a:t>2025-06-15</a:t>
             </a:fld>
             <a:endParaRPr lang="ko-KR" altLang="en-US"/>
           </a:p>
@@ -1944,10 +1929,9 @@
           </a:lstStyle>
           <a:p>
             <a:r>
-              <a:rPr lang="ko-KR" altLang="en-US" smtClean="0"/>
+              <a:rPr lang="ko-KR" altLang="en-US"/>
               <a:t>마스터 제목 스타일 편집</a:t>
             </a:r>
-            <a:endParaRPr lang="ko-KR" altLang="en-US"/>
           </a:p>
         </p:txBody>
       </p:sp>
@@ -2001,38 +1985,37 @@
           <a:p>
             <a:pPr lvl="0"/>
             <a:r>
-              <a:rPr lang="ko-KR" altLang="en-US" smtClean="0"/>
+              <a:rPr lang="ko-KR" altLang="en-US"/>
               <a:t>마스터 텍스트 스타일 편집</a:t>
             </a:r>
           </a:p>
           <a:p>
             <a:pPr lvl="1"/>
             <a:r>
-              <a:rPr lang="ko-KR" altLang="en-US" smtClean="0"/>
+              <a:rPr lang="ko-KR" altLang="en-US"/>
               <a:t>둘째 수준</a:t>
             </a:r>
           </a:p>
           <a:p>
             <a:pPr lvl="2"/>
             <a:r>
-              <a:rPr lang="ko-KR" altLang="en-US" smtClean="0"/>
+              <a:rPr lang="ko-KR" altLang="en-US"/>
               <a:t>셋째 수준</a:t>
             </a:r>
           </a:p>
           <a:p>
             <a:pPr lvl="3"/>
             <a:r>
-              <a:rPr lang="ko-KR" altLang="en-US" smtClean="0"/>
+              <a:rPr lang="ko-KR" altLang="en-US"/>
               <a:t>넷째 수준</a:t>
             </a:r>
           </a:p>
           <a:p>
             <a:pPr lvl="4"/>
             <a:r>
-              <a:rPr lang="ko-KR" altLang="en-US" smtClean="0"/>
+              <a:rPr lang="ko-KR" altLang="en-US"/>
               <a:t>다섯째 수준</a:t>
             </a:r>
-            <a:endParaRPr lang="ko-KR" altLang="en-US"/>
           </a:p>
         </p:txBody>
       </p:sp>
@@ -2095,7 +2078,7 @@
           <a:p>
             <a:pPr lvl="0"/>
             <a:r>
-              <a:rPr lang="ko-KR" altLang="en-US" smtClean="0"/>
+              <a:rPr lang="ko-KR" altLang="en-US"/>
               <a:t>마스터 텍스트 스타일 편집</a:t>
             </a:r>
           </a:p>
@@ -2118,7 +2101,7 @@
           <a:p>
             <a:fld id="{14979939-5C65-4792-9B4E-BE39A3E42977}" type="datetimeFigureOut">
               <a:rPr lang="ko-KR" altLang="en-US" smtClean="0"/>
-              <a:t>2025-05-29</a:t>
+              <a:t>2025-06-15</a:t>
             </a:fld>
             <a:endParaRPr lang="ko-KR" altLang="en-US"/>
           </a:p>
@@ -2221,10 +2204,9 @@
           </a:lstStyle>
           <a:p>
             <a:r>
-              <a:rPr lang="ko-KR" altLang="en-US" smtClean="0"/>
+              <a:rPr lang="ko-KR" altLang="en-US"/>
               <a:t>마스터 제목 스타일 편집</a:t>
             </a:r>
-            <a:endParaRPr lang="ko-KR" altLang="en-US"/>
           </a:p>
         </p:txBody>
       </p:sp>
@@ -2348,7 +2330,7 @@
           <a:p>
             <a:pPr lvl="0"/>
             <a:r>
-              <a:rPr lang="ko-KR" altLang="en-US" smtClean="0"/>
+              <a:rPr lang="ko-KR" altLang="en-US"/>
               <a:t>마스터 텍스트 스타일 편집</a:t>
             </a:r>
           </a:p>
@@ -2371,7 +2353,7 @@
           <a:p>
             <a:fld id="{14979939-5C65-4792-9B4E-BE39A3E42977}" type="datetimeFigureOut">
               <a:rPr lang="ko-KR" altLang="en-US" smtClean="0"/>
-              <a:t>2025-05-29</a:t>
+              <a:t>2025-06-15</a:t>
             </a:fld>
             <a:endParaRPr lang="ko-KR" altLang="en-US"/>
           </a:p>
@@ -2436,9 +2418,15 @@
 <p:sldMaster xmlns:a="http://schemas.openxmlformats.org/drawingml/2006/main" xmlns:r="http://schemas.openxmlformats.org/officeDocument/2006/relationships" xmlns:p="http://schemas.openxmlformats.org/presentationml/2006/main">
   <p:cSld>
     <p:bg>
-      <p:bgRef idx="1001">
-        <a:schemeClr val="bg1"/>
-      </p:bgRef>
+      <p:bgPr>
+        <a:solidFill>
+          <a:schemeClr val="tx2">
+            <a:lumMod val="40000"/>
+            <a:lumOff val="60000"/>
+          </a:schemeClr>
+        </a:solidFill>
+        <a:effectLst/>
+      </p:bgPr>
     </p:bg>
     <p:spTree>
       <p:nvGrpSpPr>
@@ -2480,10 +2468,9 @@
           <a:lstStyle/>
           <a:p>
             <a:r>
-              <a:rPr lang="ko-KR" altLang="en-US" smtClean="0"/>
+              <a:rPr lang="ko-KR" altLang="en-US"/>
               <a:t>마스터 제목 스타일 편집</a:t>
             </a:r>
-            <a:endParaRPr lang="ko-KR" altLang="en-US"/>
           </a:p>
         </p:txBody>
       </p:sp>
@@ -2514,38 +2501,37 @@
           <a:p>
             <a:pPr lvl="0"/>
             <a:r>
-              <a:rPr lang="ko-KR" altLang="en-US" smtClean="0"/>
+              <a:rPr lang="ko-KR" altLang="en-US"/>
               <a:t>마스터 텍스트 스타일 편집</a:t>
             </a:r>
           </a:p>
           <a:p>
             <a:pPr lvl="1"/>
             <a:r>
-              <a:rPr lang="ko-KR" altLang="en-US" smtClean="0"/>
+              <a:rPr lang="ko-KR" altLang="en-US"/>
               <a:t>둘째 수준</a:t>
             </a:r>
           </a:p>
           <a:p>
             <a:pPr lvl="2"/>
             <a:r>
-              <a:rPr lang="ko-KR" altLang="en-US" smtClean="0"/>
+              <a:rPr lang="ko-KR" altLang="en-US"/>
               <a:t>셋째 수준</a:t>
             </a:r>
           </a:p>
           <a:p>
             <a:pPr lvl="3"/>
             <a:r>
-              <a:rPr lang="ko-KR" altLang="en-US" smtClean="0"/>
+              <a:rPr lang="ko-KR" altLang="en-US"/>
               <a:t>넷째 수준</a:t>
             </a:r>
           </a:p>
           <a:p>
             <a:pPr lvl="4"/>
             <a:r>
-              <a:rPr lang="ko-KR" altLang="en-US" smtClean="0"/>
+              <a:rPr lang="ko-KR" altLang="en-US"/>
               <a:t>다섯째 수준</a:t>
             </a:r>
-            <a:endParaRPr lang="ko-KR" altLang="en-US"/>
           </a:p>
         </p:txBody>
       </p:sp>
@@ -2584,7 +2570,7 @@
           <a:p>
             <a:fld id="{14979939-5C65-4792-9B4E-BE39A3E42977}" type="datetimeFigureOut">
               <a:rPr lang="ko-KR" altLang="en-US" smtClean="0"/>
-              <a:t>2025-05-29</a:t>
+              <a:t>2025-06-15</a:t>
             </a:fld>
             <a:endParaRPr lang="ko-KR" altLang="en-US"/>
           </a:p>
@@ -3005,8 +2991,8 @@
           <a:lstStyle/>
           <a:p>
             <a:r>
-              <a:rPr lang="en-US" altLang="ko-KR" dirty="0" smtClean="0"/>
-              <a:t>2025/05/28~29</a:t>
+              <a:rPr lang="en-US" altLang="ko-KR" dirty="0"/>
+              <a:t>2025/05/28</a:t>
             </a:r>
             <a:endParaRPr lang="ko-KR" altLang="en-US" dirty="0"/>
           </a:p>
@@ -3028,10 +3014,9 @@
           <a:lstStyle/>
           <a:p>
             <a:r>
-              <a:rPr lang="ko-KR" altLang="en-US" dirty="0" smtClean="0"/>
+              <a:rPr lang="ko-KR" altLang="en-US" dirty="0"/>
               <a:t>이준우</a:t>
             </a:r>
-            <a:endParaRPr lang="ko-KR" altLang="en-US" dirty="0"/>
           </a:p>
         </p:txBody>
       </p:sp>
@@ -3081,22 +3066,108 @@
           <a:lstStyle/>
           <a:p>
             <a:r>
-              <a:rPr lang="en-US" altLang="ko-KR" dirty="0" smtClean="0"/>
+              <a:rPr lang="en-US" altLang="ko-KR" dirty="0"/>
               <a:t>CMOS T-FF</a:t>
             </a:r>
             <a:r>
-              <a:rPr lang="ko-KR" altLang="en-US" dirty="0" smtClean="0"/>
+              <a:rPr lang="ko-KR" altLang="en-US" dirty="0"/>
               <a:t>의 </a:t>
             </a:r>
             <a:r>
-              <a:rPr lang="ko-KR" altLang="en-US" dirty="0" err="1" smtClean="0"/>
+              <a:rPr lang="en-US" altLang="ko-KR" dirty="0"/>
+              <a:t>SCHEMATIC</a:t>
+            </a:r>
+            <a:endParaRPr lang="ko-KR" altLang="en-US" dirty="0"/>
+          </a:p>
+        </p:txBody>
+      </p:sp>
+      <p:pic>
+        <p:nvPicPr>
+          <p:cNvPr id="4" name="내용 개체 틀 3"/>
+          <p:cNvPicPr>
+            <a:picLocks noGrp="1" noChangeAspect="1"/>
+          </p:cNvPicPr>
+          <p:nvPr>
+            <p:ph idx="1"/>
+          </p:nvPr>
+        </p:nvPicPr>
+        <p:blipFill>
+          <a:blip r:embed="rId2"/>
+          <a:stretch>
+            <a:fillRect/>
+          </a:stretch>
+        </p:blipFill>
+        <p:spPr>
+          <a:xfrm>
+            <a:off x="838200" y="1918998"/>
+            <a:ext cx="10515600" cy="4320546"/>
+          </a:xfrm>
+          <a:prstGeom prst="rect">
+            <a:avLst/>
+          </a:prstGeom>
+        </p:spPr>
+      </p:pic>
+    </p:spTree>
+    <p:extLst>
+      <p:ext uri="{BB962C8B-B14F-4D97-AF65-F5344CB8AC3E}">
+        <p14:creationId xmlns:p14="http://schemas.microsoft.com/office/powerpoint/2010/main" val="1315472509"/>
+      </p:ext>
+    </p:extLst>
+  </p:cSld>
+  <p:clrMapOvr>
+    <a:masterClrMapping/>
+  </p:clrMapOvr>
+</p:sld>
+</file>
+
+<file path=ppt/slides/slide11.xml><?xml version="1.0" encoding="utf-8"?>
+<p:sld xmlns:a="http://schemas.openxmlformats.org/drawingml/2006/main" xmlns:r="http://schemas.openxmlformats.org/officeDocument/2006/relationships" xmlns:p="http://schemas.openxmlformats.org/presentationml/2006/main">
+  <p:cSld>
+    <p:spTree>
+      <p:nvGrpSpPr>
+        <p:cNvPr id="1" name=""/>
+        <p:cNvGrpSpPr/>
+        <p:nvPr/>
+      </p:nvGrpSpPr>
+      <p:grpSpPr>
+        <a:xfrm>
+          <a:off x="0" y="0"/>
+          <a:ext cx="0" cy="0"/>
+          <a:chOff x="0" y="0"/>
+          <a:chExt cx="0" cy="0"/>
+        </a:xfrm>
+      </p:grpSpPr>
+      <p:sp>
+        <p:nvSpPr>
+          <p:cNvPr id="2" name="제목 1"/>
+          <p:cNvSpPr>
+            <a:spLocks noGrp="1"/>
+          </p:cNvSpPr>
+          <p:nvPr>
+            <p:ph type="title"/>
+          </p:nvPr>
+        </p:nvSpPr>
+        <p:spPr/>
+        <p:txBody>
+          <a:bodyPr/>
+          <a:lstStyle/>
+          <a:p>
+            <a:r>
+              <a:rPr lang="en-US" altLang="ko-KR" dirty="0"/>
+              <a:t>CMOS T-FF</a:t>
+            </a:r>
+            <a:r>
+              <a:rPr lang="ko-KR" altLang="en-US" dirty="0"/>
+              <a:t>의 </a:t>
+            </a:r>
+            <a:r>
+              <a:rPr lang="ko-KR" altLang="en-US" dirty="0" err="1"/>
               <a:t>펄스형</a:t>
             </a:r>
             <a:r>
-              <a:rPr lang="ko-KR" altLang="en-US" dirty="0" smtClean="0"/>
+              <a:rPr lang="ko-KR" altLang="en-US" dirty="0"/>
               <a:t> 그래프</a:t>
             </a:r>
-            <a:endParaRPr lang="ko-KR" altLang="en-US" dirty="0"/>
           </a:p>
         </p:txBody>
       </p:sp>
@@ -3139,136 +3210,6 @@
 </p:sld>
 </file>
 
-<file path=ppt/slides/slide11.xml><?xml version="1.0" encoding="utf-8"?>
-<p:sld xmlns:a="http://schemas.openxmlformats.org/drawingml/2006/main" xmlns:r="http://schemas.openxmlformats.org/officeDocument/2006/relationships" xmlns:p="http://schemas.openxmlformats.org/presentationml/2006/main">
-  <p:cSld>
-    <p:spTree>
-      <p:nvGrpSpPr>
-        <p:cNvPr id="1" name=""/>
-        <p:cNvGrpSpPr/>
-        <p:nvPr/>
-      </p:nvGrpSpPr>
-      <p:grpSpPr>
-        <a:xfrm>
-          <a:off x="0" y="0"/>
-          <a:ext cx="0" cy="0"/>
-          <a:chOff x="0" y="0"/>
-          <a:chExt cx="0" cy="0"/>
-        </a:xfrm>
-      </p:grpSpPr>
-      <p:sp>
-        <p:nvSpPr>
-          <p:cNvPr id="2" name="제목 1"/>
-          <p:cNvSpPr>
-            <a:spLocks noGrp="1"/>
-          </p:cNvSpPr>
-          <p:nvPr>
-            <p:ph type="title"/>
-          </p:nvPr>
-        </p:nvSpPr>
-        <p:spPr/>
-        <p:txBody>
-          <a:bodyPr/>
-          <a:lstStyle/>
-          <a:p>
-            <a:r>
-              <a:rPr lang="en-US" altLang="ko-KR" dirty="0" smtClean="0"/>
-              <a:t>QB </a:t>
-            </a:r>
-            <a:r>
-              <a:rPr lang="ko-KR" altLang="en-US" dirty="0" smtClean="0"/>
-              <a:t>그래프 파형이 일그러진 이유</a:t>
-            </a:r>
-            <a:endParaRPr lang="ko-KR" altLang="en-US" dirty="0"/>
-          </a:p>
-        </p:txBody>
-      </p:sp>
-      <p:sp>
-        <p:nvSpPr>
-          <p:cNvPr id="3" name="내용 개체 틀 2"/>
-          <p:cNvSpPr>
-            <a:spLocks noGrp="1"/>
-          </p:cNvSpPr>
-          <p:nvPr>
-            <p:ph idx="1"/>
-          </p:nvPr>
-        </p:nvSpPr>
-        <p:spPr/>
-        <p:txBody>
-          <a:bodyPr/>
-          <a:lstStyle/>
-          <a:p>
-            <a:r>
-              <a:rPr lang="en-US" altLang="ko-KR" dirty="0" smtClean="0"/>
-              <a:t>QB </a:t>
-            </a:r>
-            <a:r>
-              <a:rPr lang="ko-KR" altLang="en-US" dirty="0" smtClean="0"/>
-              <a:t>그래프의 파형이 아래의 </a:t>
-            </a:r>
-            <a:r>
-              <a:rPr lang="en-US" altLang="ko-KR" dirty="0" smtClean="0"/>
-              <a:t>2</a:t>
-            </a:r>
-            <a:r>
-              <a:rPr lang="ko-KR" altLang="en-US" dirty="0" smtClean="0"/>
-              <a:t>개와는 달리 일정한 파형을 나타내지 않는 이유는 회로가 신호를 전송하는 과정에서 </a:t>
-            </a:r>
-            <a:r>
-              <a:rPr lang="en-US" altLang="ko-KR" dirty="0" smtClean="0"/>
-              <a:t>delay</a:t>
-            </a:r>
-            <a:r>
-              <a:rPr lang="ko-KR" altLang="en-US" dirty="0" smtClean="0"/>
-              <a:t>가 발생하기 때문이다</a:t>
-            </a:r>
-            <a:r>
-              <a:rPr lang="en-US" altLang="ko-KR" dirty="0" smtClean="0"/>
-              <a:t>.</a:t>
-            </a:r>
-          </a:p>
-          <a:p>
-            <a:r>
-              <a:rPr lang="ko-KR" altLang="en-US" dirty="0" smtClean="0"/>
-              <a:t>이를 해결하려면</a:t>
-            </a:r>
-            <a:r>
-              <a:rPr lang="en-US" altLang="ko-KR" dirty="0" smtClean="0"/>
-              <a:t>, </a:t>
-            </a:r>
-            <a:r>
-              <a:rPr lang="ko-KR" altLang="en-US" dirty="0" smtClean="0"/>
-              <a:t>마스터</a:t>
-            </a:r>
-            <a:r>
-              <a:rPr lang="en-US" altLang="ko-KR" dirty="0" smtClean="0"/>
-              <a:t>-</a:t>
-            </a:r>
-            <a:r>
-              <a:rPr lang="ko-KR" altLang="en-US" dirty="0" err="1" smtClean="0"/>
-              <a:t>슬레이브</a:t>
-            </a:r>
-            <a:r>
-              <a:rPr lang="ko-KR" altLang="en-US" dirty="0" smtClean="0"/>
-              <a:t> 방식으로 개선된 구조를 사용하거나</a:t>
-            </a:r>
-            <a:endParaRPr lang="ko-KR" altLang="en-US" dirty="0"/>
-          </a:p>
-        </p:txBody>
-      </p:sp>
-    </p:spTree>
-    <p:extLst>
-      <p:ext uri="{BB962C8B-B14F-4D97-AF65-F5344CB8AC3E}">
-        <p14:creationId xmlns:p14="http://schemas.microsoft.com/office/powerpoint/2010/main" val="3700457971"/>
-      </p:ext>
-    </p:extLst>
-  </p:cSld>
-  <p:clrMapOvr>
-    <a:masterClrMapping/>
-  </p:clrMapOvr>
-</p:sld>
-</file>
-
 <file path=ppt/slides/slide12.xml><?xml version="1.0" encoding="utf-8"?>
 <p:sld xmlns:a="http://schemas.openxmlformats.org/drawingml/2006/main" xmlns:r="http://schemas.openxmlformats.org/officeDocument/2006/relationships" xmlns:p="http://schemas.openxmlformats.org/presentationml/2006/main">
   <p:cSld>
@@ -3301,40 +3242,102 @@
           <a:bodyPr/>
           <a:lstStyle/>
           <a:p>
-            <a:endParaRPr lang="ko-KR" altLang="en-US"/>
-          </a:p>
-        </p:txBody>
-      </p:sp>
-      <p:pic>
-        <p:nvPicPr>
-          <p:cNvPr id="4" name="내용 개체 틀 3"/>
-          <p:cNvPicPr>
-            <a:picLocks noGrp="1" noChangeAspect="1"/>
-          </p:cNvPicPr>
+            <a:r>
+              <a:rPr lang="en-US" altLang="ko-KR" dirty="0"/>
+              <a:t>QB </a:t>
+            </a:r>
+            <a:r>
+              <a:rPr lang="ko-KR" altLang="en-US" dirty="0"/>
+              <a:t>그래프 파형이 일그러진 이유</a:t>
+            </a:r>
+          </a:p>
+        </p:txBody>
+      </p:sp>
+      <p:sp>
+        <p:nvSpPr>
+          <p:cNvPr id="3" name="내용 개체 틀 2"/>
+          <p:cNvSpPr>
+            <a:spLocks noGrp="1"/>
+          </p:cNvSpPr>
           <p:nvPr>
             <p:ph idx="1"/>
           </p:nvPr>
-        </p:nvPicPr>
-        <p:blipFill>
-          <a:blip r:embed="rId2"/>
-          <a:stretch>
-            <a:fillRect/>
-          </a:stretch>
-        </p:blipFill>
-        <p:spPr>
-          <a:xfrm>
-            <a:off x="838200" y="1965004"/>
-            <a:ext cx="10515600" cy="4010585"/>
-          </a:xfrm>
-          <a:prstGeom prst="rect">
-            <a:avLst/>
-          </a:prstGeom>
-        </p:spPr>
-      </p:pic>
+        </p:nvSpPr>
+        <p:spPr/>
+        <p:txBody>
+          <a:bodyPr>
+            <a:normAutofit/>
+          </a:bodyPr>
+          <a:lstStyle/>
+          <a:p>
+            <a:r>
+              <a:rPr lang="en-US" altLang="ko-KR" sz="2400" dirty="0"/>
+              <a:t>QB </a:t>
+            </a:r>
+            <a:r>
+              <a:rPr lang="ko-KR" altLang="en-US" sz="2400" dirty="0"/>
+              <a:t>그래프의 파형이 아래의 </a:t>
+            </a:r>
+            <a:r>
+              <a:rPr lang="en-US" altLang="ko-KR" sz="2400" dirty="0"/>
+              <a:t>2</a:t>
+            </a:r>
+            <a:r>
+              <a:rPr lang="ko-KR" altLang="en-US" sz="2400" dirty="0"/>
+              <a:t>개와는 달리 일정한 파형을 나타내지 않는 이유는 회로가 신호를 전송하는 과정에서 </a:t>
+            </a:r>
+            <a:r>
+              <a:rPr lang="en-US" altLang="ko-KR" sz="2400" dirty="0"/>
+              <a:t>delay</a:t>
+            </a:r>
+            <a:r>
+              <a:rPr lang="ko-KR" altLang="en-US" sz="2400" dirty="0"/>
+              <a:t>가 발생하기 때문이다</a:t>
+            </a:r>
+            <a:r>
+              <a:rPr lang="en-US" altLang="ko-KR" sz="2400" dirty="0"/>
+              <a:t>.</a:t>
+            </a:r>
+          </a:p>
+          <a:p>
+            <a:r>
+              <a:rPr lang="ko-KR" altLang="en-US" sz="2400" dirty="0"/>
+              <a:t>이를 해결하려면</a:t>
+            </a:r>
+            <a:r>
+              <a:rPr lang="en-US" altLang="ko-KR" sz="2400" dirty="0"/>
+              <a:t>, </a:t>
+            </a:r>
+            <a:r>
+              <a:rPr lang="ko-KR" altLang="en-US" sz="2400" dirty="0"/>
+              <a:t>마스터</a:t>
+            </a:r>
+            <a:r>
+              <a:rPr lang="en-US" altLang="ko-KR" sz="2400" dirty="0"/>
+              <a:t>-</a:t>
+            </a:r>
+            <a:r>
+              <a:rPr lang="ko-KR" altLang="en-US" sz="2400" dirty="0" err="1"/>
+              <a:t>슬레이브</a:t>
+            </a:r>
+            <a:r>
+              <a:rPr lang="ko-KR" altLang="en-US" sz="2400" dirty="0"/>
+              <a:t> 방식으로 개선된 구조를 사용하거나 버퍼를 삽입하거나 트랜지스터의 크기를 조정해야 한다</a:t>
+            </a:r>
+            <a:r>
+              <a:rPr lang="en-US" altLang="ko-KR" sz="2400"/>
+              <a:t>.</a:t>
+            </a:r>
+          </a:p>
+          <a:p>
+            <a:endParaRPr lang="ko-KR" altLang="en-US" sz="2400" dirty="0"/>
+          </a:p>
+        </p:txBody>
+      </p:sp>
     </p:spTree>
     <p:extLst>
       <p:ext uri="{BB962C8B-B14F-4D97-AF65-F5344CB8AC3E}">
-        <p14:creationId xmlns:p14="http://schemas.microsoft.com/office/powerpoint/2010/main" val="465020925"/>
+        <p14:creationId xmlns:p14="http://schemas.microsoft.com/office/powerpoint/2010/main" val="3700457971"/>
       </p:ext>
     </p:extLst>
   </p:cSld>
@@ -3376,7 +3379,101 @@
           <a:bodyPr/>
           <a:lstStyle/>
           <a:p>
-            <a:endParaRPr lang="ko-KR" altLang="en-US"/>
+            <a:r>
+              <a:rPr lang="en-US" altLang="ko-KR" dirty="0"/>
+              <a:t>JK </a:t>
+            </a:r>
+            <a:r>
+              <a:rPr lang="ko-KR" altLang="en-US" dirty="0"/>
+              <a:t>플립플롭 </a:t>
+            </a:r>
+            <a:r>
+              <a:rPr lang="en-US" altLang="ko-KR" dirty="0"/>
+              <a:t>Schematic</a:t>
+            </a:r>
+            <a:endParaRPr lang="ko-KR" altLang="en-US" dirty="0"/>
+          </a:p>
+        </p:txBody>
+      </p:sp>
+      <p:pic>
+        <p:nvPicPr>
+          <p:cNvPr id="4" name="내용 개체 틀 3"/>
+          <p:cNvPicPr>
+            <a:picLocks noGrp="1" noChangeAspect="1"/>
+          </p:cNvPicPr>
+          <p:nvPr>
+            <p:ph idx="1"/>
+          </p:nvPr>
+        </p:nvPicPr>
+        <p:blipFill>
+          <a:blip r:embed="rId2"/>
+          <a:stretch>
+            <a:fillRect/>
+          </a:stretch>
+        </p:blipFill>
+        <p:spPr>
+          <a:xfrm>
+            <a:off x="838200" y="2109383"/>
+            <a:ext cx="10515600" cy="4010585"/>
+          </a:xfrm>
+          <a:prstGeom prst="rect">
+            <a:avLst/>
+          </a:prstGeom>
+        </p:spPr>
+      </p:pic>
+    </p:spTree>
+    <p:extLst>
+      <p:ext uri="{BB962C8B-B14F-4D97-AF65-F5344CB8AC3E}">
+        <p14:creationId xmlns:p14="http://schemas.microsoft.com/office/powerpoint/2010/main" val="465020925"/>
+      </p:ext>
+    </p:extLst>
+  </p:cSld>
+  <p:clrMapOvr>
+    <a:masterClrMapping/>
+  </p:clrMapOvr>
+</p:sld>
+</file>
+
+<file path=ppt/slides/slide14.xml><?xml version="1.0" encoding="utf-8"?>
+<p:sld xmlns:a="http://schemas.openxmlformats.org/drawingml/2006/main" xmlns:r="http://schemas.openxmlformats.org/officeDocument/2006/relationships" xmlns:p="http://schemas.openxmlformats.org/presentationml/2006/main">
+  <p:cSld>
+    <p:spTree>
+      <p:nvGrpSpPr>
+        <p:cNvPr id="1" name=""/>
+        <p:cNvGrpSpPr/>
+        <p:nvPr/>
+      </p:nvGrpSpPr>
+      <p:grpSpPr>
+        <a:xfrm>
+          <a:off x="0" y="0"/>
+          <a:ext cx="0" cy="0"/>
+          <a:chOff x="0" y="0"/>
+          <a:chExt cx="0" cy="0"/>
+        </a:xfrm>
+      </p:grpSpPr>
+      <p:sp>
+        <p:nvSpPr>
+          <p:cNvPr id="2" name="제목 1"/>
+          <p:cNvSpPr>
+            <a:spLocks noGrp="1"/>
+          </p:cNvSpPr>
+          <p:nvPr>
+            <p:ph type="title"/>
+          </p:nvPr>
+        </p:nvSpPr>
+        <p:spPr/>
+        <p:txBody>
+          <a:bodyPr/>
+          <a:lstStyle/>
+          <a:p>
+            <a:r>
+              <a:rPr lang="en-US" altLang="ko-KR" dirty="0"/>
+              <a:t>JK </a:t>
+            </a:r>
+            <a:r>
+              <a:rPr lang="ko-KR" altLang="en-US" dirty="0"/>
+              <a:t>플립플롭 펄스형 그래프</a:t>
+            </a:r>
           </a:p>
         </p:txBody>
       </p:sp>
@@ -3419,96 +3516,6 @@
 </p:sld>
 </file>
 
-<file path=ppt/slides/slide14.xml><?xml version="1.0" encoding="utf-8"?>
-<p:sld xmlns:a="http://schemas.openxmlformats.org/drawingml/2006/main" xmlns:r="http://schemas.openxmlformats.org/officeDocument/2006/relationships" xmlns:p="http://schemas.openxmlformats.org/presentationml/2006/main">
-  <p:cSld>
-    <p:spTree>
-      <p:nvGrpSpPr>
-        <p:cNvPr id="1" name=""/>
-        <p:cNvGrpSpPr/>
-        <p:nvPr/>
-      </p:nvGrpSpPr>
-      <p:grpSpPr>
-        <a:xfrm>
-          <a:off x="0" y="0"/>
-          <a:ext cx="0" cy="0"/>
-          <a:chOff x="0" y="0"/>
-          <a:chExt cx="0" cy="0"/>
-        </a:xfrm>
-      </p:grpSpPr>
-      <p:sp>
-        <p:nvSpPr>
-          <p:cNvPr id="2" name="제목 1"/>
-          <p:cNvSpPr>
-            <a:spLocks noGrp="1"/>
-          </p:cNvSpPr>
-          <p:nvPr>
-            <p:ph type="title"/>
-          </p:nvPr>
-        </p:nvSpPr>
-        <p:spPr/>
-        <p:txBody>
-          <a:bodyPr/>
-          <a:lstStyle/>
-          <a:p>
-            <a:r>
-              <a:rPr lang="ko-KR" altLang="en-US" dirty="0" smtClean="0"/>
-              <a:t>동기 방식과 비동기 방식의 차이점</a:t>
-            </a:r>
-            <a:endParaRPr lang="ko-KR" altLang="en-US" dirty="0"/>
-          </a:p>
-        </p:txBody>
-      </p:sp>
-      <p:sp>
-        <p:nvSpPr>
-          <p:cNvPr id="3" name="내용 개체 틀 2"/>
-          <p:cNvSpPr>
-            <a:spLocks noGrp="1"/>
-          </p:cNvSpPr>
-          <p:nvPr>
-            <p:ph idx="1"/>
-          </p:nvPr>
-        </p:nvSpPr>
-        <p:spPr/>
-        <p:txBody>
-          <a:bodyPr/>
-          <a:lstStyle/>
-          <a:p>
-            <a:r>
-              <a:rPr lang="ko-KR" altLang="en-US" dirty="0" smtClean="0"/>
-              <a:t>동기 방식은 작업을 요청하고 그 작업이 끝날 때까지 기다리는 방식으로 작업의 처리 결과가 반환될 때까지 다른 작업을 수행할 수 없다</a:t>
-            </a:r>
-            <a:r>
-              <a:rPr lang="en-US" altLang="ko-KR" dirty="0" smtClean="0"/>
-              <a:t>.</a:t>
-            </a:r>
-          </a:p>
-          <a:p>
-            <a:r>
-              <a:rPr lang="ko-KR" altLang="en-US" dirty="0" smtClean="0"/>
-              <a:t>비동기 방식은 작업을 요청한 후 결과와 상관없이 바로 다른 작업을 수행할 수 있는 방식이다</a:t>
-            </a:r>
-            <a:r>
-              <a:rPr lang="en-US" altLang="ko-KR" dirty="0" smtClean="0"/>
-              <a:t>.</a:t>
-            </a:r>
-            <a:endParaRPr lang="ko-KR" altLang="en-US" dirty="0"/>
-          </a:p>
-        </p:txBody>
-      </p:sp>
-    </p:spTree>
-    <p:extLst>
-      <p:ext uri="{BB962C8B-B14F-4D97-AF65-F5344CB8AC3E}">
-        <p14:creationId xmlns:p14="http://schemas.microsoft.com/office/powerpoint/2010/main" val="1924642383"/>
-      </p:ext>
-    </p:extLst>
-  </p:cSld>
-  <p:clrMapOvr>
-    <a:masterClrMapping/>
-  </p:clrMapOvr>
-</p:sld>
-</file>
-
 <file path=ppt/slides/slide15.xml><?xml version="1.0" encoding="utf-8"?>
 <p:sld xmlns:a="http://schemas.openxmlformats.org/drawingml/2006/main" xmlns:r="http://schemas.openxmlformats.org/officeDocument/2006/relationships" xmlns:p="http://schemas.openxmlformats.org/presentationml/2006/main">
   <p:cSld>
@@ -3542,10 +3549,98 @@
           <a:lstStyle/>
           <a:p>
             <a:r>
-              <a:rPr lang="ko-KR" altLang="en-US" dirty="0" smtClean="0"/>
+              <a:rPr lang="ko-KR" altLang="en-US" dirty="0"/>
+              <a:t>동기 방식과 비동기 방식의 차이점</a:t>
+            </a:r>
+          </a:p>
+        </p:txBody>
+      </p:sp>
+      <p:sp>
+        <p:nvSpPr>
+          <p:cNvPr id="3" name="내용 개체 틀 2"/>
+          <p:cNvSpPr>
+            <a:spLocks noGrp="1"/>
+          </p:cNvSpPr>
+          <p:nvPr>
+            <p:ph idx="1"/>
+          </p:nvPr>
+        </p:nvSpPr>
+        <p:spPr/>
+        <p:txBody>
+          <a:bodyPr/>
+          <a:lstStyle/>
+          <a:p>
+            <a:r>
+              <a:rPr lang="ko-KR" altLang="en-US" dirty="0"/>
+              <a:t>동기 방식은 작업을 요청하고 그 작업이 끝날 때까지 기다리는 방식으로 작업의 처리 결과가 반환될 때까지 다른 작업을 수행할 수 없다</a:t>
+            </a:r>
+            <a:r>
+              <a:rPr lang="en-US" altLang="ko-KR" dirty="0"/>
+              <a:t>.</a:t>
+            </a:r>
+          </a:p>
+          <a:p>
+            <a:r>
+              <a:rPr lang="ko-KR" altLang="en-US" dirty="0"/>
+              <a:t>비동기 방식은 작업을 요청한 후 결과와 상관없이 바로 다른 작업을 수행할 수 있는 방식이다</a:t>
+            </a:r>
+            <a:r>
+              <a:rPr lang="en-US" altLang="ko-KR" dirty="0"/>
+              <a:t>.</a:t>
+            </a:r>
+            <a:endParaRPr lang="ko-KR" altLang="en-US" dirty="0"/>
+          </a:p>
+        </p:txBody>
+      </p:sp>
+    </p:spTree>
+    <p:extLst>
+      <p:ext uri="{BB962C8B-B14F-4D97-AF65-F5344CB8AC3E}">
+        <p14:creationId xmlns:p14="http://schemas.microsoft.com/office/powerpoint/2010/main" val="1924642383"/>
+      </p:ext>
+    </p:extLst>
+  </p:cSld>
+  <p:clrMapOvr>
+    <a:masterClrMapping/>
+  </p:clrMapOvr>
+</p:sld>
+</file>
+
+<file path=ppt/slides/slide16.xml><?xml version="1.0" encoding="utf-8"?>
+<p:sld xmlns:a="http://schemas.openxmlformats.org/drawingml/2006/main" xmlns:r="http://schemas.openxmlformats.org/officeDocument/2006/relationships" xmlns:p="http://schemas.openxmlformats.org/presentationml/2006/main">
+  <p:cSld>
+    <p:spTree>
+      <p:nvGrpSpPr>
+        <p:cNvPr id="1" name=""/>
+        <p:cNvGrpSpPr/>
+        <p:nvPr/>
+      </p:nvGrpSpPr>
+      <p:grpSpPr>
+        <a:xfrm>
+          <a:off x="0" y="0"/>
+          <a:ext cx="0" cy="0"/>
+          <a:chOff x="0" y="0"/>
+          <a:chExt cx="0" cy="0"/>
+        </a:xfrm>
+      </p:grpSpPr>
+      <p:sp>
+        <p:nvSpPr>
+          <p:cNvPr id="2" name="제목 1"/>
+          <p:cNvSpPr>
+            <a:spLocks noGrp="1"/>
+          </p:cNvSpPr>
+          <p:nvPr>
+            <p:ph type="title"/>
+          </p:nvPr>
+        </p:nvSpPr>
+        <p:spPr/>
+        <p:txBody>
+          <a:bodyPr/>
+          <a:lstStyle/>
+          <a:p>
+            <a:r>
+              <a:rPr lang="ko-KR" altLang="en-US" dirty="0"/>
               <a:t>카운터 그래프</a:t>
             </a:r>
-            <a:endParaRPr lang="ko-KR" altLang="en-US" dirty="0"/>
           </a:p>
         </p:txBody>
       </p:sp>
@@ -3588,7 +3683,7 @@
 </p:sld>
 </file>
 
-<file path=ppt/slides/slide16.xml><?xml version="1.0" encoding="utf-8"?>
+<file path=ppt/slides/slide17.xml><?xml version="1.0" encoding="utf-8"?>
 <p:sld xmlns:a="http://schemas.openxmlformats.org/drawingml/2006/main" xmlns:r="http://schemas.openxmlformats.org/officeDocument/2006/relationships" xmlns:p="http://schemas.openxmlformats.org/presentationml/2006/main">
   <p:cSld>
     <p:spTree>
@@ -3663,7 +3758,7 @@
 </p:sld>
 </file>
 
-<file path=ppt/slides/slide17.xml><?xml version="1.0" encoding="utf-8"?>
+<file path=ppt/slides/slide18.xml><?xml version="1.0" encoding="utf-8"?>
 <p:sld xmlns:a="http://schemas.openxmlformats.org/drawingml/2006/main" xmlns:r="http://schemas.openxmlformats.org/officeDocument/2006/relationships" xmlns:p="http://schemas.openxmlformats.org/presentationml/2006/main">
   <p:cSld>
     <p:spTree>
@@ -3738,81 +3833,6 @@
 </p:sld>
 </file>
 
-<file path=ppt/slides/slide18.xml><?xml version="1.0" encoding="utf-8"?>
-<p:sld xmlns:a="http://schemas.openxmlformats.org/drawingml/2006/main" xmlns:r="http://schemas.openxmlformats.org/officeDocument/2006/relationships" xmlns:p="http://schemas.openxmlformats.org/presentationml/2006/main">
-  <p:cSld>
-    <p:spTree>
-      <p:nvGrpSpPr>
-        <p:cNvPr id="1" name=""/>
-        <p:cNvGrpSpPr/>
-        <p:nvPr/>
-      </p:nvGrpSpPr>
-      <p:grpSpPr>
-        <a:xfrm>
-          <a:off x="0" y="0"/>
-          <a:ext cx="0" cy="0"/>
-          <a:chOff x="0" y="0"/>
-          <a:chExt cx="0" cy="0"/>
-        </a:xfrm>
-      </p:grpSpPr>
-      <p:sp>
-        <p:nvSpPr>
-          <p:cNvPr id="2" name="제목 1"/>
-          <p:cNvSpPr>
-            <a:spLocks noGrp="1"/>
-          </p:cNvSpPr>
-          <p:nvPr>
-            <p:ph type="title"/>
-          </p:nvPr>
-        </p:nvSpPr>
-        <p:spPr/>
-        <p:txBody>
-          <a:bodyPr/>
-          <a:lstStyle/>
-          <a:p>
-            <a:endParaRPr lang="ko-KR" altLang="en-US" dirty="0"/>
-          </a:p>
-        </p:txBody>
-      </p:sp>
-      <p:pic>
-        <p:nvPicPr>
-          <p:cNvPr id="4" name="내용 개체 틀 3"/>
-          <p:cNvPicPr>
-            <a:picLocks noGrp="1" noChangeAspect="1"/>
-          </p:cNvPicPr>
-          <p:nvPr>
-            <p:ph idx="1"/>
-          </p:nvPr>
-        </p:nvPicPr>
-        <p:blipFill>
-          <a:blip r:embed="rId2"/>
-          <a:stretch>
-            <a:fillRect/>
-          </a:stretch>
-        </p:blipFill>
-        <p:spPr>
-          <a:xfrm>
-            <a:off x="838200" y="1690687"/>
-            <a:ext cx="10515600" cy="4281487"/>
-          </a:xfrm>
-          <a:prstGeom prst="rect">
-            <a:avLst/>
-          </a:prstGeom>
-        </p:spPr>
-      </p:pic>
-    </p:spTree>
-    <p:extLst>
-      <p:ext uri="{BB962C8B-B14F-4D97-AF65-F5344CB8AC3E}">
-        <p14:creationId xmlns:p14="http://schemas.microsoft.com/office/powerpoint/2010/main" val="3147261836"/>
-      </p:ext>
-    </p:extLst>
-  </p:cSld>
-  <p:clrMapOvr>
-    <a:masterClrMapping/>
-  </p:clrMapOvr>
-</p:sld>
-</file>
-
 <file path=ppt/slides/slide19.xml><?xml version="1.0" encoding="utf-8"?>
 <p:sld xmlns:a="http://schemas.openxmlformats.org/drawingml/2006/main" xmlns:r="http://schemas.openxmlformats.org/officeDocument/2006/relationships" xmlns:p="http://schemas.openxmlformats.org/presentationml/2006/main">
   <p:cSld>
@@ -3845,7 +3865,14 @@
           <a:bodyPr/>
           <a:lstStyle/>
           <a:p>
-            <a:endParaRPr lang="ko-KR" altLang="en-US" dirty="0"/>
+            <a:r>
+              <a:rPr lang="en-US" altLang="ko-KR" dirty="0"/>
+              <a:t>CMOS NOR </a:t>
+            </a:r>
+            <a:r>
+              <a:rPr lang="ko-KR" altLang="en-US" dirty="0"/>
+              <a:t>게이트의 회로도</a:t>
+            </a:r>
           </a:p>
         </p:txBody>
       </p:sp>
@@ -3867,8 +3894,8 @@
         </p:blipFill>
         <p:spPr>
           <a:xfrm>
-            <a:off x="838200" y="1863725"/>
-            <a:ext cx="10515600" cy="4351338"/>
+            <a:off x="838200" y="1706729"/>
+            <a:ext cx="10515600" cy="4281487"/>
           </a:xfrm>
           <a:prstGeom prst="rect">
             <a:avLst/>
@@ -3878,7 +3905,7 @@
     </p:spTree>
     <p:extLst>
       <p:ext uri="{BB962C8B-B14F-4D97-AF65-F5344CB8AC3E}">
-        <p14:creationId xmlns:p14="http://schemas.microsoft.com/office/powerpoint/2010/main" val="3934971207"/>
+        <p14:creationId xmlns:p14="http://schemas.microsoft.com/office/powerpoint/2010/main" val="3147261836"/>
       </p:ext>
     </p:extLst>
   </p:cSld>
@@ -3921,14 +3948,13 @@
           <a:lstStyle/>
           <a:p>
             <a:r>
-              <a:rPr lang="en-US" altLang="ko-KR" dirty="0" smtClean="0"/>
+              <a:rPr lang="en-US" altLang="ko-KR" dirty="0"/>
               <a:t>MUX </a:t>
             </a:r>
             <a:r>
-              <a:rPr lang="ko-KR" altLang="en-US" dirty="0" smtClean="0"/>
+              <a:rPr lang="ko-KR" altLang="en-US" dirty="0"/>
               <a:t>게이트</a:t>
             </a:r>
-            <a:endParaRPr lang="ko-KR" altLang="en-US" dirty="0"/>
           </a:p>
         </p:txBody>
       </p:sp>
@@ -4003,7 +4029,89 @@
           <a:bodyPr/>
           <a:lstStyle/>
           <a:p>
-            <a:endParaRPr lang="ko-KR" altLang="en-US"/>
+            <a:endParaRPr lang="ko-KR" altLang="en-US" dirty="0"/>
+          </a:p>
+        </p:txBody>
+      </p:sp>
+      <p:pic>
+        <p:nvPicPr>
+          <p:cNvPr id="4" name="내용 개체 틀 3"/>
+          <p:cNvPicPr>
+            <a:picLocks noGrp="1" noChangeAspect="1"/>
+          </p:cNvPicPr>
+          <p:nvPr>
+            <p:ph idx="1"/>
+          </p:nvPr>
+        </p:nvPicPr>
+        <p:blipFill>
+          <a:blip r:embed="rId2"/>
+          <a:stretch>
+            <a:fillRect/>
+          </a:stretch>
+        </p:blipFill>
+        <p:spPr>
+          <a:xfrm>
+            <a:off x="838200" y="1863725"/>
+            <a:ext cx="10515600" cy="4351338"/>
+          </a:xfrm>
+          <a:prstGeom prst="rect">
+            <a:avLst/>
+          </a:prstGeom>
+        </p:spPr>
+      </p:pic>
+    </p:spTree>
+    <p:extLst>
+      <p:ext uri="{BB962C8B-B14F-4D97-AF65-F5344CB8AC3E}">
+        <p14:creationId xmlns:p14="http://schemas.microsoft.com/office/powerpoint/2010/main" val="3934971207"/>
+      </p:ext>
+    </p:extLst>
+  </p:cSld>
+  <p:clrMapOvr>
+    <a:masterClrMapping/>
+  </p:clrMapOvr>
+</p:sld>
+</file>
+
+<file path=ppt/slides/slide21.xml><?xml version="1.0" encoding="utf-8"?>
+<p:sld xmlns:a="http://schemas.openxmlformats.org/drawingml/2006/main" xmlns:r="http://schemas.openxmlformats.org/officeDocument/2006/relationships" xmlns:p="http://schemas.openxmlformats.org/presentationml/2006/main">
+  <p:cSld>
+    <p:spTree>
+      <p:nvGrpSpPr>
+        <p:cNvPr id="1" name=""/>
+        <p:cNvGrpSpPr/>
+        <p:nvPr/>
+      </p:nvGrpSpPr>
+      <p:grpSpPr>
+        <a:xfrm>
+          <a:off x="0" y="0"/>
+          <a:ext cx="0" cy="0"/>
+          <a:chOff x="0" y="0"/>
+          <a:chExt cx="0" cy="0"/>
+        </a:xfrm>
+      </p:grpSpPr>
+      <p:sp>
+        <p:nvSpPr>
+          <p:cNvPr id="2" name="제목 1"/>
+          <p:cNvSpPr>
+            <a:spLocks noGrp="1"/>
+          </p:cNvSpPr>
+          <p:nvPr>
+            <p:ph type="title"/>
+          </p:nvPr>
+        </p:nvSpPr>
+        <p:spPr/>
+        <p:txBody>
+          <a:bodyPr/>
+          <a:lstStyle/>
+          <a:p>
+            <a:r>
+              <a:rPr lang="en-US" altLang="ko-KR" dirty="0"/>
+              <a:t>CMOS NAND </a:t>
+            </a:r>
+            <a:r>
+              <a:rPr lang="ko-KR" altLang="en-US" dirty="0"/>
+              <a:t>게이트의 회로도</a:t>
+            </a:r>
           </a:p>
         </p:txBody>
       </p:sp>
@@ -4023,65 +4131,64 @@
           <a:lstStyle/>
           <a:p>
             <a:r>
-              <a:rPr lang="en-US" altLang="ko-KR" dirty="0" smtClean="0"/>
+              <a:rPr lang="en-US" altLang="ko-KR" dirty="0"/>
               <a:t>B=0 </a:t>
             </a:r>
             <a:r>
-              <a:rPr lang="ko-KR" altLang="en-US" dirty="0" smtClean="0"/>
+              <a:rPr lang="ko-KR" altLang="en-US" dirty="0"/>
               <a:t>→ </a:t>
             </a:r>
             <a:r>
-              <a:rPr lang="en-US" altLang="ko-KR" dirty="0" smtClean="0"/>
+              <a:rPr lang="en-US" altLang="ko-KR" dirty="0"/>
               <a:t>PASS TR </a:t>
             </a:r>
             <a:r>
-              <a:rPr lang="ko-KR" altLang="en-US" dirty="0" smtClean="0"/>
+              <a:rPr lang="ko-KR" altLang="en-US" dirty="0"/>
               <a:t>활성화 →</a:t>
             </a:r>
             <a:r>
-              <a:rPr lang="en-US" altLang="ko-KR" dirty="0" smtClean="0"/>
+              <a:rPr lang="en-US" altLang="ko-KR" dirty="0"/>
               <a:t>A</a:t>
             </a:r>
             <a:r>
-              <a:rPr lang="ko-KR" altLang="en-US" dirty="0" smtClean="0"/>
+              <a:rPr lang="ko-KR" altLang="en-US" dirty="0"/>
               <a:t>에 의해서 결정</a:t>
             </a:r>
-            <a:endParaRPr lang="en-US" altLang="ko-KR" dirty="0" smtClean="0"/>
-          </a:p>
-          <a:p>
-            <a:r>
-              <a:rPr lang="en-US" altLang="ko-KR" dirty="0" smtClean="0"/>
+            <a:endParaRPr lang="en-US" altLang="ko-KR" dirty="0"/>
+          </a:p>
+          <a:p>
+            <a:r>
+              <a:rPr lang="en-US" altLang="ko-KR" dirty="0"/>
               <a:t>B=1 </a:t>
             </a:r>
             <a:r>
-              <a:rPr lang="ko-KR" altLang="en-US" dirty="0" smtClean="0"/>
+              <a:rPr lang="ko-KR" altLang="en-US" dirty="0"/>
               <a:t>→ </a:t>
             </a:r>
             <a:r>
-              <a:rPr lang="ko-KR" altLang="en-US" dirty="0" err="1" smtClean="0"/>
+              <a:rPr lang="ko-KR" altLang="en-US" dirty="0" err="1"/>
               <a:t>앞단</a:t>
             </a:r>
             <a:r>
-              <a:rPr lang="ko-KR" altLang="en-US" dirty="0" smtClean="0"/>
+              <a:rPr lang="ko-KR" altLang="en-US" dirty="0"/>
               <a:t> </a:t>
             </a:r>
             <a:r>
-              <a:rPr lang="en-US" altLang="ko-KR" dirty="0" smtClean="0"/>
+              <a:rPr lang="en-US" altLang="ko-KR" dirty="0"/>
               <a:t>NOT </a:t>
             </a:r>
             <a:r>
-              <a:rPr lang="ko-KR" altLang="en-US" dirty="0" smtClean="0"/>
+              <a:rPr lang="ko-KR" altLang="en-US" dirty="0"/>
               <a:t>활성화 → </a:t>
             </a:r>
             <a:r>
-              <a:rPr lang="en-US" altLang="ko-KR" dirty="0" smtClean="0"/>
+              <a:rPr lang="en-US" altLang="ko-KR" dirty="0"/>
               <a:t>NOT</a:t>
             </a:r>
             <a:r>
-              <a:rPr lang="ko-KR" altLang="en-US" dirty="0" smtClean="0"/>
+              <a:rPr lang="ko-KR" altLang="en-US" dirty="0"/>
               <a:t>의 결과에 의해 결정</a:t>
             </a:r>
-            <a:endParaRPr lang="ko-KR" altLang="en-US" dirty="0"/>
           </a:p>
         </p:txBody>
       </p:sp>
@@ -4122,7 +4229,7 @@
 </p:sld>
 </file>
 
-<file path=ppt/slides/slide21.xml><?xml version="1.0" encoding="utf-8"?>
+<file path=ppt/slides/slide22.xml><?xml version="1.0" encoding="utf-8"?>
 <p:sld xmlns:a="http://schemas.openxmlformats.org/drawingml/2006/main" xmlns:r="http://schemas.openxmlformats.org/officeDocument/2006/relationships" xmlns:p="http://schemas.openxmlformats.org/presentationml/2006/main">
   <p:cSld>
     <p:spTree>
@@ -4155,14 +4262,13 @@
           <a:lstStyle/>
           <a:p>
             <a:r>
-              <a:rPr lang="en-US" altLang="ko-KR" smtClean="0"/>
-              <a:t>XOR </a:t>
-            </a:r>
-            <a:r>
-              <a:rPr lang="ko-KR" altLang="en-US" smtClean="0"/>
+              <a:rPr lang="en-US" altLang="ko-KR" dirty="0"/>
+              <a:t>CMOS XOR </a:t>
+            </a:r>
+            <a:r>
+              <a:rPr lang="ko-KR" altLang="en-US" dirty="0"/>
               <a:t>게이트의 회로도</a:t>
             </a:r>
-            <a:endParaRPr lang="ko-KR" altLang="en-US"/>
           </a:p>
         </p:txBody>
       </p:sp>
@@ -4238,86 +4344,21 @@
           <a:lstStyle/>
           <a:p>
             <a:r>
-              <a:rPr lang="ko-KR" altLang="en-US" dirty="0" smtClean="0"/>
-              <a:t>드 </a:t>
-            </a:r>
-            <a:r>
-              <a:rPr lang="ko-KR" altLang="en-US" dirty="0" err="1" smtClean="0"/>
-              <a:t>모르간의</a:t>
-            </a:r>
-            <a:r>
-              <a:rPr lang="ko-KR" altLang="en-US" dirty="0" smtClean="0"/>
-              <a:t> 법칙</a:t>
-            </a:r>
-            <a:endParaRPr lang="ko-KR" altLang="en-US" dirty="0"/>
-          </a:p>
-        </p:txBody>
-      </p:sp>
-      <p:sp>
-        <p:nvSpPr>
-          <p:cNvPr id="3" name="내용 개체 틀 2"/>
-          <p:cNvSpPr>
-            <a:spLocks noGrp="1"/>
-          </p:cNvSpPr>
-          <p:nvPr>
-            <p:ph idx="1"/>
-          </p:nvPr>
-        </p:nvSpPr>
-        <p:spPr/>
-        <p:txBody>
-          <a:bodyPr/>
-          <a:lstStyle/>
-          <a:p>
-            <a:endParaRPr lang="ko-KR" altLang="en-US"/>
-          </a:p>
-        </p:txBody>
-      </p:sp>
-    </p:spTree>
-    <p:extLst>
-      <p:ext uri="{BB962C8B-B14F-4D97-AF65-F5344CB8AC3E}">
-        <p14:creationId xmlns:p14="http://schemas.microsoft.com/office/powerpoint/2010/main" val="2741986483"/>
-      </p:ext>
-    </p:extLst>
-  </p:cSld>
-  <p:clrMapOvr>
-    <a:masterClrMapping/>
-  </p:clrMapOvr>
-</p:sld>
-</file>
-
-<file path=ppt/slides/slide4.xml><?xml version="1.0" encoding="utf-8"?>
-<p:sld xmlns:a="http://schemas.openxmlformats.org/drawingml/2006/main" xmlns:r="http://schemas.openxmlformats.org/officeDocument/2006/relationships" xmlns:p="http://schemas.openxmlformats.org/presentationml/2006/main">
-  <p:cSld>
-    <p:spTree>
-      <p:nvGrpSpPr>
-        <p:cNvPr id="1" name=""/>
-        <p:cNvGrpSpPr/>
-        <p:nvPr/>
-      </p:nvGrpSpPr>
-      <p:grpSpPr>
-        <a:xfrm>
-          <a:off x="0" y="0"/>
-          <a:ext cx="0" cy="0"/>
-          <a:chOff x="0" y="0"/>
-          <a:chExt cx="0" cy="0"/>
-        </a:xfrm>
-      </p:grpSpPr>
-      <p:sp>
-        <p:nvSpPr>
-          <p:cNvPr id="2" name="제목 1"/>
-          <p:cNvSpPr>
-            <a:spLocks noGrp="1"/>
-          </p:cNvSpPr>
-          <p:nvPr>
-            <p:ph type="title"/>
-          </p:nvPr>
-        </p:nvSpPr>
-        <p:spPr/>
-        <p:txBody>
-          <a:bodyPr/>
-          <a:lstStyle/>
-          <a:p>
-            <a:endParaRPr lang="ko-KR" altLang="en-US"/>
+              <a:rPr lang="en-US" altLang="ko-KR" dirty="0"/>
+              <a:t>2:1 MUX GATE</a:t>
+            </a:r>
+            <a:r>
+              <a:rPr lang="ko-KR" altLang="en-US" dirty="0"/>
+              <a:t>의 </a:t>
+            </a:r>
+            <a:r>
+              <a:rPr lang="en-US" altLang="ko-KR" dirty="0"/>
+              <a:t>SCHEMATIC</a:t>
+            </a:r>
+            <a:r>
+              <a:rPr lang="ko-KR" altLang="en-US" dirty="0"/>
+              <a:t> </a:t>
+            </a:r>
           </a:p>
         </p:txBody>
       </p:sp>
@@ -4360,7 +4401,7 @@
 </p:sld>
 </file>
 
-<file path=ppt/slides/slide5.xml><?xml version="1.0" encoding="utf-8"?>
+<file path=ppt/slides/slide4.xml><?xml version="1.0" encoding="utf-8"?>
 <p:sld xmlns:a="http://schemas.openxmlformats.org/drawingml/2006/main" xmlns:r="http://schemas.openxmlformats.org/officeDocument/2006/relationships" xmlns:p="http://schemas.openxmlformats.org/presentationml/2006/main">
   <p:cSld>
     <p:spTree>
@@ -4392,7 +4433,22 @@
           <a:bodyPr/>
           <a:lstStyle/>
           <a:p>
-            <a:endParaRPr lang="ko-KR" altLang="en-US"/>
+            <a:r>
+              <a:rPr lang="en-US" altLang="ko-KR" dirty="0"/>
+              <a:t>2:1 MUX GATE</a:t>
+            </a:r>
+            <a:r>
+              <a:rPr lang="ko-KR" altLang="en-US" dirty="0"/>
+              <a:t>의 </a:t>
+            </a:r>
+            <a:r>
+              <a:rPr lang="en-US" altLang="ko-KR" dirty="0"/>
+              <a:t>SCHEMATIC</a:t>
+            </a:r>
+            <a:r>
+              <a:rPr lang="ko-KR" altLang="en-US" dirty="0"/>
+              <a:t> </a:t>
+            </a:r>
           </a:p>
         </p:txBody>
       </p:sp>
@@ -4435,6 +4491,219 @@
 </p:sld>
 </file>
 
+<file path=ppt/slides/slide5.xml><?xml version="1.0" encoding="utf-8"?>
+<p:sld xmlns:a="http://schemas.openxmlformats.org/drawingml/2006/main" xmlns:r="http://schemas.openxmlformats.org/officeDocument/2006/relationships" xmlns:p="http://schemas.openxmlformats.org/presentationml/2006/main">
+  <p:cSld>
+    <p:spTree>
+      <p:nvGrpSpPr>
+        <p:cNvPr id="1" name=""/>
+        <p:cNvGrpSpPr/>
+        <p:nvPr/>
+      </p:nvGrpSpPr>
+      <p:grpSpPr>
+        <a:xfrm>
+          <a:off x="0" y="0"/>
+          <a:ext cx="0" cy="0"/>
+          <a:chOff x="0" y="0"/>
+          <a:chExt cx="0" cy="0"/>
+        </a:xfrm>
+      </p:grpSpPr>
+      <p:sp>
+        <p:nvSpPr>
+          <p:cNvPr id="2" name="제목 1"/>
+          <p:cNvSpPr>
+            <a:spLocks noGrp="1"/>
+          </p:cNvSpPr>
+          <p:nvPr>
+            <p:ph type="title"/>
+          </p:nvPr>
+        </p:nvSpPr>
+        <p:spPr/>
+        <p:txBody>
+          <a:bodyPr/>
+          <a:lstStyle/>
+          <a:p>
+            <a:r>
+              <a:rPr lang="ko-KR" altLang="en-US" dirty="0"/>
+              <a:t>드 </a:t>
+            </a:r>
+            <a:r>
+              <a:rPr lang="ko-KR" altLang="en-US" dirty="0" err="1"/>
+              <a:t>모르간의</a:t>
+            </a:r>
+            <a:r>
+              <a:rPr lang="ko-KR" altLang="en-US" dirty="0"/>
+              <a:t> 법칙</a:t>
+            </a:r>
+          </a:p>
+        </p:txBody>
+      </p:sp>
+      <p:sp>
+        <p:nvSpPr>
+          <p:cNvPr id="3" name="내용 개체 틀 2"/>
+          <p:cNvSpPr>
+            <a:spLocks noGrp="1"/>
+          </p:cNvSpPr>
+          <p:nvPr>
+            <p:ph idx="1"/>
+          </p:nvPr>
+        </p:nvSpPr>
+        <p:spPr/>
+        <p:txBody>
+          <a:bodyPr>
+            <a:normAutofit/>
+          </a:bodyPr>
+          <a:lstStyle/>
+          <a:p>
+            <a:r>
+              <a:rPr lang="ko-KR" altLang="en-US" sz="2400" dirty="0" err="1"/>
+              <a:t>드</a:t>
+            </a:r>
+            <a:r>
+              <a:rPr lang="ko-KR" altLang="en-US" sz="2400" dirty="0"/>
+              <a:t> </a:t>
+            </a:r>
+            <a:r>
+              <a:rPr lang="ko-KR" altLang="en-US" sz="2400" dirty="0" err="1"/>
+              <a:t>모르간의</a:t>
+            </a:r>
+            <a:r>
+              <a:rPr lang="ko-KR" altLang="en-US" sz="2400" dirty="0"/>
+              <a:t> 법칙은 두 개의 기본 법칙으로 구성되며</a:t>
+            </a:r>
+            <a:r>
+              <a:rPr lang="en-US" altLang="ko-KR" sz="2400" dirty="0"/>
+              <a:t>, NOT </a:t>
+            </a:r>
+            <a:r>
+              <a:rPr lang="ko-KR" altLang="en-US" sz="2400" dirty="0"/>
+              <a:t>연산이 </a:t>
+            </a:r>
+            <a:r>
+              <a:rPr lang="en-US" altLang="ko-KR" sz="2400" dirty="0"/>
+              <a:t>AND</a:t>
+            </a:r>
+            <a:r>
+              <a:rPr lang="ko-KR" altLang="en-US" sz="2400" dirty="0"/>
+              <a:t>와 </a:t>
+            </a:r>
+            <a:r>
+              <a:rPr lang="en-US" altLang="ko-KR" sz="2400" dirty="0"/>
+              <a:t>OR</a:t>
+            </a:r>
+            <a:r>
+              <a:rPr lang="ko-KR" altLang="en-US" sz="2400" dirty="0"/>
+              <a:t>에 어떻게 분배되는지를 설명한다</a:t>
+            </a:r>
+            <a:r>
+              <a:rPr lang="en-US" altLang="ko-KR" sz="2400" dirty="0"/>
+              <a:t>.</a:t>
+            </a:r>
+          </a:p>
+          <a:p>
+            <a:r>
+              <a:rPr lang="ko-KR" altLang="en-US" sz="2400" dirty="0"/>
+              <a:t>전기 회로에서 </a:t>
+            </a:r>
+            <a:r>
+              <a:rPr lang="en-US" altLang="ko-KR" sz="2400" dirty="0"/>
+              <a:t>NOT</a:t>
+            </a:r>
+            <a:r>
+              <a:rPr lang="ko-KR" altLang="en-US" sz="2400" dirty="0"/>
+              <a:t>이 괄호 내부에 첨가되면</a:t>
+            </a:r>
+            <a:r>
+              <a:rPr lang="en-US" altLang="ko-KR" sz="2400" dirty="0"/>
+              <a:t>, AND</a:t>
+            </a:r>
+            <a:r>
+              <a:rPr lang="ko-KR" altLang="en-US" sz="2400" dirty="0"/>
+              <a:t>는 </a:t>
+            </a:r>
+            <a:r>
+              <a:rPr lang="en-US" altLang="ko-KR" sz="2400" dirty="0"/>
+              <a:t>OR</a:t>
+            </a:r>
+            <a:r>
+              <a:rPr lang="ko-KR" altLang="en-US" sz="2400" dirty="0"/>
+              <a:t>이 되고</a:t>
+            </a:r>
+            <a:r>
+              <a:rPr lang="en-US" altLang="ko-KR" sz="2400" dirty="0"/>
+              <a:t>, OR</a:t>
+            </a:r>
+            <a:r>
+              <a:rPr lang="ko-KR" altLang="en-US" sz="2400" dirty="0"/>
+              <a:t>은 </a:t>
+            </a:r>
+            <a:r>
+              <a:rPr lang="en-US" altLang="ko-KR" sz="2400" dirty="0"/>
+              <a:t>AND</a:t>
+            </a:r>
+            <a:r>
+              <a:rPr lang="ko-KR" altLang="en-US" sz="2400" dirty="0"/>
+              <a:t>가 된다</a:t>
+            </a:r>
+            <a:r>
+              <a:rPr lang="en-US" altLang="ko-KR" sz="2400" dirty="0"/>
+              <a:t>.</a:t>
+            </a:r>
+          </a:p>
+          <a:p>
+            <a:r>
+              <a:rPr lang="ko-KR" altLang="en-US" sz="2400" dirty="0" err="1"/>
+              <a:t>드</a:t>
+            </a:r>
+            <a:r>
+              <a:rPr lang="ko-KR" altLang="en-US" sz="2400" dirty="0"/>
+              <a:t> </a:t>
+            </a:r>
+            <a:r>
+              <a:rPr lang="ko-KR" altLang="en-US" sz="2400" dirty="0" err="1"/>
+              <a:t>모르간의</a:t>
+            </a:r>
+            <a:r>
+              <a:rPr lang="ko-KR" altLang="en-US" sz="2400" dirty="0"/>
+              <a:t> 법칙은 회로 최적화</a:t>
+            </a:r>
+            <a:r>
+              <a:rPr lang="en-US" altLang="ko-KR" sz="2400" dirty="0"/>
+              <a:t>, </a:t>
+            </a:r>
+            <a:r>
+              <a:rPr lang="ko-KR" altLang="en-US" sz="2400" dirty="0"/>
+              <a:t>반전 논리</a:t>
+            </a:r>
+            <a:r>
+              <a:rPr lang="en-US" altLang="ko-KR" sz="2400" dirty="0"/>
+              <a:t>, CMOS</a:t>
+            </a:r>
+            <a:r>
+              <a:rPr lang="ko-KR" altLang="en-US" sz="2400" dirty="0"/>
+              <a:t> 회로 구현에 매우 유용하게 사용된다</a:t>
+            </a:r>
+            <a:r>
+              <a:rPr lang="en-US" altLang="ko-KR" sz="2400" dirty="0"/>
+              <a:t>.</a:t>
+            </a:r>
+            <a:endParaRPr lang="ko-KR" altLang="en-US" sz="2400" dirty="0"/>
+          </a:p>
+        </p:txBody>
+      </p:sp>
+    </p:spTree>
+    <p:extLst>
+      <p:ext uri="{BB962C8B-B14F-4D97-AF65-F5344CB8AC3E}">
+        <p14:creationId xmlns:p14="http://schemas.microsoft.com/office/powerpoint/2010/main" val="2741986483"/>
+      </p:ext>
+    </p:extLst>
+  </p:cSld>
+  <p:clrMapOvr>
+    <a:masterClrMapping/>
+  </p:clrMapOvr>
+</p:sld>
+</file>
+
 <file path=ppt/slides/slide6.xml><?xml version="1.0" encoding="utf-8"?>
 <p:sld xmlns:a="http://schemas.openxmlformats.org/drawingml/2006/main" xmlns:r="http://schemas.openxmlformats.org/officeDocument/2006/relationships" xmlns:p="http://schemas.openxmlformats.org/presentationml/2006/main">
   <p:cSld>
@@ -4454,6 +4723,105 @@
       </p:grpSpPr>
       <p:sp>
         <p:nvSpPr>
+          <p:cNvPr id="2" name="제목 1">
+            <a:extLst>
+              <a:ext uri="{FF2B5EF4-FFF2-40B4-BE49-F238E27FC236}">
+                <a16:creationId xmlns:a16="http://schemas.microsoft.com/office/drawing/2014/main" id="{31A6A1F8-9D15-E393-026C-E925DCC64241}"/>
+              </a:ext>
+            </a:extLst>
+          </p:cNvPr>
+          <p:cNvSpPr>
+            <a:spLocks noGrp="1"/>
+          </p:cNvSpPr>
+          <p:nvPr>
+            <p:ph type="title"/>
+          </p:nvPr>
+        </p:nvSpPr>
+        <p:spPr/>
+        <p:txBody>
+          <a:bodyPr/>
+          <a:lstStyle/>
+          <a:p>
+            <a:r>
+              <a:rPr lang="ko-KR" altLang="en-US" dirty="0" err="1"/>
+              <a:t>드</a:t>
+            </a:r>
+            <a:r>
+              <a:rPr lang="ko-KR" altLang="en-US" dirty="0"/>
+              <a:t> </a:t>
+            </a:r>
+            <a:r>
+              <a:rPr lang="ko-KR" altLang="en-US" dirty="0" err="1"/>
+              <a:t>모르간의</a:t>
+            </a:r>
+            <a:r>
+              <a:rPr lang="ko-KR" altLang="en-US" dirty="0"/>
+              <a:t> 법칙</a:t>
+            </a:r>
+          </a:p>
+        </p:txBody>
+      </p:sp>
+      <p:pic>
+        <p:nvPicPr>
+          <p:cNvPr id="5" name="내용 개체 틀 4">
+            <a:extLst>
+              <a:ext uri="{FF2B5EF4-FFF2-40B4-BE49-F238E27FC236}">
+                <a16:creationId xmlns:a16="http://schemas.microsoft.com/office/drawing/2014/main" id="{04535FA7-84E3-465C-2421-CC593BA4DFC0}"/>
+              </a:ext>
+            </a:extLst>
+          </p:cNvPr>
+          <p:cNvPicPr>
+            <a:picLocks noGrp="1" noChangeAspect="1"/>
+          </p:cNvPicPr>
+          <p:nvPr>
+            <p:ph idx="1"/>
+          </p:nvPr>
+        </p:nvPicPr>
+        <p:blipFill>
+          <a:blip r:embed="rId2"/>
+          <a:stretch>
+            <a:fillRect/>
+          </a:stretch>
+        </p:blipFill>
+        <p:spPr>
+          <a:xfrm>
+            <a:off x="1016348" y="1857709"/>
+            <a:ext cx="10337452" cy="4351338"/>
+          </a:xfrm>
+        </p:spPr>
+      </p:pic>
+    </p:spTree>
+    <p:extLst>
+      <p:ext uri="{BB962C8B-B14F-4D97-AF65-F5344CB8AC3E}">
+        <p14:creationId xmlns:p14="http://schemas.microsoft.com/office/powerpoint/2010/main" val="290375394"/>
+      </p:ext>
+    </p:extLst>
+  </p:cSld>
+  <p:clrMapOvr>
+    <a:masterClrMapping/>
+  </p:clrMapOvr>
+</p:sld>
+</file>
+
+<file path=ppt/slides/slide7.xml><?xml version="1.0" encoding="utf-8"?>
+<p:sld xmlns:a="http://schemas.openxmlformats.org/drawingml/2006/main" xmlns:r="http://schemas.openxmlformats.org/officeDocument/2006/relationships" xmlns:p="http://schemas.openxmlformats.org/presentationml/2006/main">
+  <p:cSld>
+    <p:spTree>
+      <p:nvGrpSpPr>
+        <p:cNvPr id="1" name=""/>
+        <p:cNvGrpSpPr/>
+        <p:nvPr/>
+      </p:nvGrpSpPr>
+      <p:grpSpPr>
+        <a:xfrm>
+          <a:off x="0" y="0"/>
+          <a:ext cx="0" cy="0"/>
+          <a:chOff x="0" y="0"/>
+          <a:chExt cx="0" cy="0"/>
+        </a:xfrm>
+      </p:grpSpPr>
+      <p:sp>
+        <p:nvSpPr>
           <p:cNvPr id="2" name="제목 1"/>
           <p:cNvSpPr>
             <a:spLocks noGrp="1"/>
@@ -4467,7 +4835,14 @@
           <a:bodyPr/>
           <a:lstStyle/>
           <a:p>
-            <a:endParaRPr lang="ko-KR" altLang="en-US"/>
+            <a:r>
+              <a:rPr lang="en-US" altLang="ko-KR" dirty="0"/>
+              <a:t>MUX GATE</a:t>
+            </a:r>
+            <a:r>
+              <a:rPr lang="ko-KR" altLang="en-US" dirty="0"/>
+              <a:t>의 펄스형 그래프</a:t>
+            </a:r>
           </a:p>
         </p:txBody>
       </p:sp>
@@ -4510,7 +4885,7 @@
 </p:sld>
 </file>
 
-<file path=ppt/slides/slide7.xml><?xml version="1.0" encoding="utf-8"?>
+<file path=ppt/slides/slide8.xml><?xml version="1.0" encoding="utf-8"?>
 <p:sld xmlns:a="http://schemas.openxmlformats.org/drawingml/2006/main" xmlns:r="http://schemas.openxmlformats.org/officeDocument/2006/relationships" xmlns:p="http://schemas.openxmlformats.org/presentationml/2006/main">
   <p:cSld>
     <p:spTree>
@@ -4542,7 +4917,11 @@
           <a:bodyPr/>
           <a:lstStyle/>
           <a:p>
-            <a:endParaRPr lang="ko-KR" altLang="en-US"/>
+            <a:r>
+              <a:rPr lang="en-US" altLang="ko-KR" dirty="0"/>
+              <a:t>4 to 1 Multiplexer schematic</a:t>
+            </a:r>
+            <a:endParaRPr lang="ko-KR" altLang="en-US" dirty="0"/>
           </a:p>
         </p:txBody>
       </p:sp>
@@ -4585,7 +4964,7 @@
 </p:sld>
 </file>
 
-<file path=ppt/slides/slide8.xml><?xml version="1.0" encoding="utf-8"?>
+<file path=ppt/slides/slide9.xml><?xml version="1.0" encoding="utf-8"?>
 <p:sld xmlns:a="http://schemas.openxmlformats.org/drawingml/2006/main" xmlns:r="http://schemas.openxmlformats.org/officeDocument/2006/relationships" xmlns:p="http://schemas.openxmlformats.org/presentationml/2006/main">
   <p:cSld>
     <p:spTree>
@@ -4617,7 +4996,22 @@
           <a:bodyPr/>
           <a:lstStyle/>
           <a:p>
-            <a:endParaRPr lang="ko-KR" altLang="en-US"/>
+            <a:r>
+              <a:rPr lang="en-US" altLang="ko-KR" dirty="0"/>
+              <a:t>CMOS T-FF</a:t>
+            </a:r>
+            <a:r>
+              <a:rPr lang="ko-KR" altLang="en-US" dirty="0"/>
+              <a:t>의 </a:t>
+            </a:r>
+            <a:r>
+              <a:rPr lang="en-US" altLang="ko-KR" dirty="0"/>
+              <a:t>LAYOUT </a:t>
+            </a:r>
+            <a:r>
+              <a:rPr lang="ko-KR" altLang="en-US" dirty="0"/>
+              <a:t>도면</a:t>
+            </a:r>
           </a:p>
         </p:txBody>
       </p:sp>
@@ -4651,85 +5045,6 @@
     <p:extLst>
       <p:ext uri="{BB962C8B-B14F-4D97-AF65-F5344CB8AC3E}">
         <p14:creationId xmlns:p14="http://schemas.microsoft.com/office/powerpoint/2010/main" val="1260993415"/>
-      </p:ext>
-    </p:extLst>
-  </p:cSld>
-  <p:clrMapOvr>
-    <a:masterClrMapping/>
-  </p:clrMapOvr>
-</p:sld>
-</file>
-
-<file path=ppt/slides/slide9.xml><?xml version="1.0" encoding="utf-8"?>
-<p:sld xmlns:a="http://schemas.openxmlformats.org/drawingml/2006/main" xmlns:r="http://schemas.openxmlformats.org/officeDocument/2006/relationships" xmlns:p="http://schemas.openxmlformats.org/presentationml/2006/main">
-  <p:cSld>
-    <p:spTree>
-      <p:nvGrpSpPr>
-        <p:cNvPr id="1" name=""/>
-        <p:cNvGrpSpPr/>
-        <p:nvPr/>
-      </p:nvGrpSpPr>
-      <p:grpSpPr>
-        <a:xfrm>
-          <a:off x="0" y="0"/>
-          <a:ext cx="0" cy="0"/>
-          <a:chOff x="0" y="0"/>
-          <a:chExt cx="0" cy="0"/>
-        </a:xfrm>
-      </p:grpSpPr>
-      <p:sp>
-        <p:nvSpPr>
-          <p:cNvPr id="2" name="제목 1"/>
-          <p:cNvSpPr>
-            <a:spLocks noGrp="1"/>
-          </p:cNvSpPr>
-          <p:nvPr>
-            <p:ph type="title"/>
-          </p:nvPr>
-        </p:nvSpPr>
-        <p:spPr/>
-        <p:txBody>
-          <a:bodyPr/>
-          <a:lstStyle/>
-          <a:p>
-            <a:r>
-              <a:rPr lang="en-US" altLang="ko-KR" dirty="0" smtClean="0"/>
-              <a:t>CMOS T-FF</a:t>
-            </a:r>
-            <a:endParaRPr lang="ko-KR" altLang="en-US" dirty="0"/>
-          </a:p>
-        </p:txBody>
-      </p:sp>
-      <p:pic>
-        <p:nvPicPr>
-          <p:cNvPr id="4" name="내용 개체 틀 3"/>
-          <p:cNvPicPr>
-            <a:picLocks noGrp="1" noChangeAspect="1"/>
-          </p:cNvPicPr>
-          <p:nvPr>
-            <p:ph idx="1"/>
-          </p:nvPr>
-        </p:nvPicPr>
-        <p:blipFill>
-          <a:blip r:embed="rId2"/>
-          <a:stretch>
-            <a:fillRect/>
-          </a:stretch>
-        </p:blipFill>
-        <p:spPr>
-          <a:xfrm>
-            <a:off x="838200" y="1918998"/>
-            <a:ext cx="10515600" cy="4320546"/>
-          </a:xfrm>
-          <a:prstGeom prst="rect">
-            <a:avLst/>
-          </a:prstGeom>
-        </p:spPr>
-      </p:pic>
-    </p:spTree>
-    <p:extLst>
-      <p:ext uri="{BB962C8B-B14F-4D97-AF65-F5344CB8AC3E}">
-        <p14:creationId xmlns:p14="http://schemas.microsoft.com/office/powerpoint/2010/main" val="1315472509"/>
       </p:ext>
     </p:extLst>
   </p:cSld>
